--- a/doc/présentation V4 - commentaires.pptx
+++ b/doc/présentation V4 - commentaires.pptx
@@ -2,10 +2,10 @@
 <file path=ppt/presentation.xml><?xml version="1.0" encoding="utf-8"?>
 <p:presentation xmlns:a="http://schemas.openxmlformats.org/drawingml/2006/main" xmlns:r="http://schemas.openxmlformats.org/officeDocument/2006/relationships" xmlns:p="http://schemas.openxmlformats.org/presentationml/2006/main" saveSubsetFonts="1">
   <p:sldMasterIdLst>
-    <p:sldMasterId id="2147483710" r:id="rId1"/>
+    <p:sldMasterId id="2147483711" r:id="rId1"/>
   </p:sldMasterIdLst>
   <p:notesMasterIdLst>
-    <p:notesMasterId r:id="rId26"/>
+    <p:notesMasterId r:id="rId27"/>
   </p:notesMasterIdLst>
   <p:sldIdLst>
     <p:sldId id="256" r:id="rId2"/>
@@ -32,6 +32,7 @@
     <p:sldId id="283" r:id="rId23"/>
     <p:sldId id="270" r:id="rId24"/>
     <p:sldId id="257" r:id="rId25"/>
+    <p:sldId id="293" r:id="rId26"/>
   </p:sldIdLst>
   <p:sldSz cx="12192000" cy="6858000"/>
   <p:notesSz cx="7315200" cy="9601200"/>
@@ -226,7 +227,7 @@
           <a:p>
             <a:fld id="{3A579BB9-F2CA-426C-82A6-1234A0AE4AD5}" type="datetimeFigureOut">
               <a:rPr lang="fr-FR" smtClean="0"/>
-              <a:t>03/01/2023</a:t>
+              <a:t>06/01/2023</a:t>
             </a:fld>
             <a:endParaRPr lang="fr-FR"/>
           </a:p>
@@ -6853,7 +6854,7 @@
 
 <file path=ppt/slideLayouts/slideLayout1.xml><?xml version="1.0" encoding="utf-8"?>
 <p:sldLayout xmlns:a="http://schemas.openxmlformats.org/drawingml/2006/main" xmlns:r="http://schemas.openxmlformats.org/officeDocument/2006/relationships" xmlns:p="http://schemas.openxmlformats.org/presentationml/2006/main" type="title" preserve="1">
-  <p:cSld name="Title Slide">
+  <p:cSld name="Diapositive de titre">
     <p:spTree>
       <p:nvGrpSpPr>
         <p:cNvPr id="1" name=""/>
@@ -6870,10 +6871,10 @@
       </p:grpSpPr>
       <p:sp>
         <p:nvSpPr>
-          <p:cNvPr id="2" name="Title 1">
+          <p:cNvPr id="2" name="Titre 1">
             <a:extLst>
               <a:ext uri="{FF2B5EF4-FFF2-40B4-BE49-F238E27FC236}">
-                <a16:creationId xmlns:a16="http://schemas.microsoft.com/office/drawing/2014/main" id="{BF53B052-A59B-4AE3-A89A-E7748630C15B}"/>
+                <a16:creationId xmlns:a16="http://schemas.microsoft.com/office/drawing/2014/main" id="{BD9C42C2-A485-99F2-B3BF-1FDE069223AB}"/>
               </a:ext>
             </a:extLst>
           </p:cNvPr>
@@ -6894,24 +6895,23 @@
           <a:bodyPr anchor="b"/>
           <a:lstStyle>
             <a:lvl1pPr algn="ctr">
-              <a:defRPr sz="5400"/>
+              <a:defRPr sz="6000"/>
             </a:lvl1pPr>
           </a:lstStyle>
           <a:p>
             <a:r>
-              <a:rPr lang="en-US"/>
-              <a:t>Click to edit Master title style</a:t>
-            </a:r>
-            <a:endParaRPr lang="en-US" dirty="0"/>
+              <a:rPr lang="fr-FR"/>
+              <a:t>Modifiez le style du titre</a:t>
+            </a:r>
           </a:p>
         </p:txBody>
       </p:sp>
       <p:sp>
         <p:nvSpPr>
-          <p:cNvPr id="3" name="Subtitle 2">
+          <p:cNvPr id="3" name="Sous-titre 2">
             <a:extLst>
               <a:ext uri="{FF2B5EF4-FFF2-40B4-BE49-F238E27FC236}">
-                <a16:creationId xmlns:a16="http://schemas.microsoft.com/office/drawing/2014/main" id="{FBDA9EC4-FEA9-41D2-BE8D-F709F01D3750}"/>
+                <a16:creationId xmlns:a16="http://schemas.microsoft.com/office/drawing/2014/main" id="{42C96FC8-0EC4-ACB9-0354-D9B9C1FD4D65}"/>
               </a:ext>
             </a:extLst>
           </p:cNvPr>
@@ -6970,18 +6970,18 @@
           </a:lstStyle>
           <a:p>
             <a:r>
-              <a:rPr lang="en-US"/>
-              <a:t>Click to edit Master subtitle style</a:t>
+              <a:rPr lang="fr-FR"/>
+              <a:t>Modifiez le style des sous-titres du masque</a:t>
             </a:r>
           </a:p>
         </p:txBody>
       </p:sp>
       <p:sp>
         <p:nvSpPr>
-          <p:cNvPr id="4" name="Date Placeholder 3">
+          <p:cNvPr id="4" name="Espace réservé de la date 3">
             <a:extLst>
               <a:ext uri="{FF2B5EF4-FFF2-40B4-BE49-F238E27FC236}">
-                <a16:creationId xmlns:a16="http://schemas.microsoft.com/office/drawing/2014/main" id="{C6E155CF-52F5-4879-B7F3-D05812AC4A6D}"/>
+                <a16:creationId xmlns:a16="http://schemas.microsoft.com/office/drawing/2014/main" id="{60E37B84-D0F1-29E8-1AA6-8024060477B4}"/>
               </a:ext>
             </a:extLst>
           </p:cNvPr>
@@ -6999,18 +6999,19 @@
           <a:p>
             <a:fld id="{AA70F276-1833-4A75-9C1D-A56E2295A68D}" type="datetimeFigureOut">
               <a:rPr lang="en-US" smtClean="0"/>
-              <a:t>1/3/2023</a:t>
+              <a:pPr/>
+              <a:t>1/6/2023</a:t>
             </a:fld>
-            <a:endParaRPr lang="en-US"/>
+            <a:endParaRPr lang="en-US" dirty="0"/>
           </a:p>
         </p:txBody>
       </p:sp>
       <p:sp>
         <p:nvSpPr>
-          <p:cNvPr id="5" name="Footer Placeholder 4">
+          <p:cNvPr id="5" name="Espace réservé du pied de page 4">
             <a:extLst>
               <a:ext uri="{FF2B5EF4-FFF2-40B4-BE49-F238E27FC236}">
-                <a16:creationId xmlns:a16="http://schemas.microsoft.com/office/drawing/2014/main" id="{80D053AC-61ED-4C2F-90BF-D4A916545107}"/>
+                <a16:creationId xmlns:a16="http://schemas.microsoft.com/office/drawing/2014/main" id="{B8F6C118-04D2-0E94-C062-93E0677D5735}"/>
               </a:ext>
             </a:extLst>
           </p:cNvPr>
@@ -7026,16 +7027,20 @@
           <a:bodyPr/>
           <a:lstStyle/>
           <a:p>
-            <a:endParaRPr lang="en-US"/>
+            <a:endParaRPr lang="en-US">
+              <a:solidFill>
+                <a:srgbClr val="FFFFFF"/>
+              </a:solidFill>
+            </a:endParaRPr>
           </a:p>
         </p:txBody>
       </p:sp>
       <p:sp>
         <p:nvSpPr>
-          <p:cNvPr id="6" name="Slide Number Placeholder 5">
+          <p:cNvPr id="6" name="Espace réservé du numéro de diapositive 5">
             <a:extLst>
               <a:ext uri="{FF2B5EF4-FFF2-40B4-BE49-F238E27FC236}">
-                <a16:creationId xmlns:a16="http://schemas.microsoft.com/office/drawing/2014/main" id="{138B2ED7-A198-4613-B8C9-EE02BAE24FA4}"/>
+                <a16:creationId xmlns:a16="http://schemas.microsoft.com/office/drawing/2014/main" id="{86529C58-A2AE-0972-EE93-787B630FD3A9}"/>
               </a:ext>
             </a:extLst>
           </p:cNvPr>
@@ -7053,6 +7058,7 @@
           <a:p>
             <a:fld id="{28844951-7827-47D4-8276-7DDE1FA7D85A}" type="slidenum">
               <a:rPr lang="en-US" smtClean="0"/>
+              <a:pPr/>
               <a:t>‹N°›</a:t>
             </a:fld>
             <a:endParaRPr lang="en-US"/>
@@ -7062,7 +7068,7 @@
     </p:spTree>
     <p:extLst>
       <p:ext uri="{BB962C8B-B14F-4D97-AF65-F5344CB8AC3E}">
-        <p14:creationId xmlns:p14="http://schemas.microsoft.com/office/powerpoint/2010/main" val="1455702531"/>
+        <p14:creationId xmlns:p14="http://schemas.microsoft.com/office/powerpoint/2010/main" val="1926620550"/>
       </p:ext>
     </p:extLst>
   </p:cSld>
@@ -7074,7 +7080,7 @@
 
 <file path=ppt/slideLayouts/slideLayout10.xml><?xml version="1.0" encoding="utf-8"?>
 <p:sldLayout xmlns:a="http://schemas.openxmlformats.org/drawingml/2006/main" xmlns:r="http://schemas.openxmlformats.org/officeDocument/2006/relationships" xmlns:p="http://schemas.openxmlformats.org/presentationml/2006/main" type="vertTx" preserve="1">
-  <p:cSld name="Title and Vertical Text">
+  <p:cSld name="Titre et texte vertical">
     <p:spTree>
       <p:nvGrpSpPr>
         <p:cNvPr id="1" name=""/>
@@ -7091,10 +7097,10 @@
       </p:grpSpPr>
       <p:sp>
         <p:nvSpPr>
-          <p:cNvPr id="2" name="Title 1">
+          <p:cNvPr id="2" name="Titre 1">
             <a:extLst>
               <a:ext uri="{FF2B5EF4-FFF2-40B4-BE49-F238E27FC236}">
-                <a16:creationId xmlns:a16="http://schemas.microsoft.com/office/drawing/2014/main" id="{877B47DD-81F8-4128-9E50-04A9F2D3DCD8}"/>
+                <a16:creationId xmlns:a16="http://schemas.microsoft.com/office/drawing/2014/main" id="{0135D0F1-6B0F-AF1D-5F98-BA0D5982A9BC}"/>
               </a:ext>
             </a:extLst>
           </p:cNvPr>
@@ -7111,18 +7117,18 @@
           <a:lstStyle/>
           <a:p>
             <a:r>
-              <a:rPr lang="en-US"/>
-              <a:t>Click to edit Master title style</a:t>
+              <a:rPr lang="fr-FR"/>
+              <a:t>Modifiez le style du titre</a:t>
             </a:r>
           </a:p>
         </p:txBody>
       </p:sp>
       <p:sp>
         <p:nvSpPr>
-          <p:cNvPr id="3" name="Vertical Text Placeholder 2">
+          <p:cNvPr id="3" name="Espace réservé du texte vertical 2">
             <a:extLst>
               <a:ext uri="{FF2B5EF4-FFF2-40B4-BE49-F238E27FC236}">
-                <a16:creationId xmlns:a16="http://schemas.microsoft.com/office/drawing/2014/main" id="{656564D1-2B83-4C0F-ACBA-E91472C50A3D}"/>
+                <a16:creationId xmlns:a16="http://schemas.microsoft.com/office/drawing/2014/main" id="{7F596B44-D28F-5741-A5CD-6B0AD3AC1299}"/>
               </a:ext>
             </a:extLst>
           </p:cNvPr>
@@ -7140,46 +7146,46 @@
           <a:p>
             <a:pPr lvl="0"/>
             <a:r>
-              <a:rPr lang="en-US"/>
-              <a:t>Click to edit Master text styles</a:t>
+              <a:rPr lang="fr-FR"/>
+              <a:t>Cliquez pour modifier les styles du texte du masque</a:t>
             </a:r>
           </a:p>
           <a:p>
             <a:pPr lvl="1"/>
             <a:r>
-              <a:rPr lang="en-US"/>
-              <a:t>Second level</a:t>
+              <a:rPr lang="fr-FR"/>
+              <a:t>Deuxième niveau</a:t>
             </a:r>
           </a:p>
           <a:p>
             <a:pPr lvl="2"/>
             <a:r>
-              <a:rPr lang="en-US"/>
-              <a:t>Third level</a:t>
+              <a:rPr lang="fr-FR"/>
+              <a:t>Troisième niveau</a:t>
             </a:r>
           </a:p>
           <a:p>
             <a:pPr lvl="3"/>
             <a:r>
-              <a:rPr lang="en-US"/>
-              <a:t>Fourth level</a:t>
+              <a:rPr lang="fr-FR"/>
+              <a:t>Quatrième niveau</a:t>
             </a:r>
           </a:p>
           <a:p>
             <a:pPr lvl="4"/>
             <a:r>
-              <a:rPr lang="en-US"/>
-              <a:t>Fifth level</a:t>
+              <a:rPr lang="fr-FR"/>
+              <a:t>Cinquième niveau</a:t>
             </a:r>
           </a:p>
         </p:txBody>
       </p:sp>
       <p:sp>
         <p:nvSpPr>
-          <p:cNvPr id="4" name="Date Placeholder 3">
+          <p:cNvPr id="4" name="Espace réservé de la date 3">
             <a:extLst>
               <a:ext uri="{FF2B5EF4-FFF2-40B4-BE49-F238E27FC236}">
-                <a16:creationId xmlns:a16="http://schemas.microsoft.com/office/drawing/2014/main" id="{96FA1D7D-D2EC-4ADB-9C65-191DEC82DDF4}"/>
+                <a16:creationId xmlns:a16="http://schemas.microsoft.com/office/drawing/2014/main" id="{96C184D7-C32E-77AD-6E32-2DAE180292BA}"/>
               </a:ext>
             </a:extLst>
           </p:cNvPr>
@@ -7197,18 +7203,19 @@
           <a:p>
             <a:fld id="{AA70F276-1833-4A75-9C1D-A56E2295A68D}" type="datetimeFigureOut">
               <a:rPr lang="en-US" smtClean="0"/>
-              <a:t>1/3/2023</a:t>
+              <a:pPr/>
+              <a:t>1/6/2023</a:t>
             </a:fld>
-            <a:endParaRPr lang="en-US"/>
+            <a:endParaRPr lang="en-US" dirty="0"/>
           </a:p>
         </p:txBody>
       </p:sp>
       <p:sp>
         <p:nvSpPr>
-          <p:cNvPr id="5" name="Footer Placeholder 4">
+          <p:cNvPr id="5" name="Espace réservé du pied de page 4">
             <a:extLst>
               <a:ext uri="{FF2B5EF4-FFF2-40B4-BE49-F238E27FC236}">
-                <a16:creationId xmlns:a16="http://schemas.microsoft.com/office/drawing/2014/main" id="{534CB571-86F9-474A-826A-75CC21C8832B}"/>
+                <a16:creationId xmlns:a16="http://schemas.microsoft.com/office/drawing/2014/main" id="{F9FE7BC0-7CCF-AE5D-62E2-B1B4DF380C19}"/>
               </a:ext>
             </a:extLst>
           </p:cNvPr>
@@ -7224,16 +7231,20 @@
           <a:bodyPr/>
           <a:lstStyle/>
           <a:p>
-            <a:endParaRPr lang="en-US"/>
+            <a:endParaRPr lang="en-US">
+              <a:solidFill>
+                <a:srgbClr val="FFFFFF"/>
+              </a:solidFill>
+            </a:endParaRPr>
           </a:p>
         </p:txBody>
       </p:sp>
       <p:sp>
         <p:nvSpPr>
-          <p:cNvPr id="6" name="Slide Number Placeholder 5">
+          <p:cNvPr id="6" name="Espace réservé du numéro de diapositive 5">
             <a:extLst>
               <a:ext uri="{FF2B5EF4-FFF2-40B4-BE49-F238E27FC236}">
-                <a16:creationId xmlns:a16="http://schemas.microsoft.com/office/drawing/2014/main" id="{A1384F5F-50E6-4BB9-B848-EE2302C02ABE}"/>
+                <a16:creationId xmlns:a16="http://schemas.microsoft.com/office/drawing/2014/main" id="{85228D1D-9813-4B1C-19DE-122975633D8D}"/>
               </a:ext>
             </a:extLst>
           </p:cNvPr>
@@ -7251,6 +7262,7 @@
           <a:p>
             <a:fld id="{28844951-7827-47D4-8276-7DDE1FA7D85A}" type="slidenum">
               <a:rPr lang="en-US" smtClean="0"/>
+              <a:pPr/>
               <a:t>‹N°›</a:t>
             </a:fld>
             <a:endParaRPr lang="en-US"/>
@@ -7260,7 +7272,7 @@
     </p:spTree>
     <p:extLst>
       <p:ext uri="{BB962C8B-B14F-4D97-AF65-F5344CB8AC3E}">
-        <p14:creationId xmlns:p14="http://schemas.microsoft.com/office/powerpoint/2010/main" val="716057451"/>
+        <p14:creationId xmlns:p14="http://schemas.microsoft.com/office/powerpoint/2010/main" val="2996563618"/>
       </p:ext>
     </p:extLst>
   </p:cSld>
@@ -7272,7 +7284,7 @@
 
 <file path=ppt/slideLayouts/slideLayout11.xml><?xml version="1.0" encoding="utf-8"?>
 <p:sldLayout xmlns:a="http://schemas.openxmlformats.org/drawingml/2006/main" xmlns:r="http://schemas.openxmlformats.org/officeDocument/2006/relationships" xmlns:p="http://schemas.openxmlformats.org/presentationml/2006/main" type="vertTitleAndTx" preserve="1">
-  <p:cSld name="Vertical Title and Text">
+  <p:cSld name="Titre vertical et texte">
     <p:spTree>
       <p:nvGrpSpPr>
         <p:cNvPr id="1" name=""/>
@@ -7289,10 +7301,10 @@
       </p:grpSpPr>
       <p:sp>
         <p:nvSpPr>
-          <p:cNvPr id="2" name="Vertical Title 1">
+          <p:cNvPr id="2" name="Titre vertical 1">
             <a:extLst>
               <a:ext uri="{FF2B5EF4-FFF2-40B4-BE49-F238E27FC236}">
-                <a16:creationId xmlns:a16="http://schemas.microsoft.com/office/drawing/2014/main" id="{9E3F08DF-1C0D-4F53-A3AB-95D7B55FA063}"/>
+                <a16:creationId xmlns:a16="http://schemas.microsoft.com/office/drawing/2014/main" id="{330BE2B4-DDB5-6D90-877D-00B0CA98DB87}"/>
               </a:ext>
             </a:extLst>
           </p:cNvPr>
@@ -7305,8 +7317,8 @@
         </p:nvSpPr>
         <p:spPr>
           <a:xfrm>
-            <a:off x="8724900" y="761999"/>
-            <a:ext cx="2628900" cy="5414963"/>
+            <a:off x="8724900" y="365125"/>
+            <a:ext cx="2628900" cy="5811838"/>
           </a:xfrm>
         </p:spPr>
         <p:txBody>
@@ -7314,18 +7326,18 @@
           <a:lstStyle/>
           <a:p>
             <a:r>
-              <a:rPr lang="en-US"/>
-              <a:t>Click to edit Master title style</a:t>
+              <a:rPr lang="fr-FR"/>
+              <a:t>Modifiez le style du titre</a:t>
             </a:r>
           </a:p>
         </p:txBody>
       </p:sp>
       <p:sp>
         <p:nvSpPr>
-          <p:cNvPr id="3" name="Vertical Text Placeholder 2">
+          <p:cNvPr id="3" name="Espace réservé du texte vertical 2">
             <a:extLst>
               <a:ext uri="{FF2B5EF4-FFF2-40B4-BE49-F238E27FC236}">
-                <a16:creationId xmlns:a16="http://schemas.microsoft.com/office/drawing/2014/main" id="{1C0D3BBD-C494-4E94-B189-319802A93E38}"/>
+                <a16:creationId xmlns:a16="http://schemas.microsoft.com/office/drawing/2014/main" id="{71DF4AE5-D818-E870-9E69-5E828775370D}"/>
               </a:ext>
             </a:extLst>
           </p:cNvPr>
@@ -7338,8 +7350,8 @@
         </p:nvSpPr>
         <p:spPr>
           <a:xfrm>
-            <a:off x="838200" y="761999"/>
-            <a:ext cx="7734300" cy="5414963"/>
+            <a:off x="838200" y="365125"/>
+            <a:ext cx="7734300" cy="5811838"/>
           </a:xfrm>
         </p:spPr>
         <p:txBody>
@@ -7348,46 +7360,46 @@
           <a:p>
             <a:pPr lvl="0"/>
             <a:r>
-              <a:rPr lang="en-US" dirty="0"/>
-              <a:t>Click to edit Master text styles</a:t>
+              <a:rPr lang="fr-FR"/>
+              <a:t>Cliquez pour modifier les styles du texte du masque</a:t>
             </a:r>
           </a:p>
           <a:p>
             <a:pPr lvl="1"/>
             <a:r>
-              <a:rPr lang="en-US" dirty="0"/>
-              <a:t>Second level</a:t>
+              <a:rPr lang="fr-FR"/>
+              <a:t>Deuxième niveau</a:t>
             </a:r>
           </a:p>
           <a:p>
             <a:pPr lvl="2"/>
             <a:r>
-              <a:rPr lang="en-US" dirty="0"/>
-              <a:t>Third level</a:t>
+              <a:rPr lang="fr-FR"/>
+              <a:t>Troisième niveau</a:t>
             </a:r>
           </a:p>
           <a:p>
             <a:pPr lvl="3"/>
             <a:r>
-              <a:rPr lang="en-US" dirty="0"/>
-              <a:t>Fourth level</a:t>
+              <a:rPr lang="fr-FR"/>
+              <a:t>Quatrième niveau</a:t>
             </a:r>
           </a:p>
           <a:p>
             <a:pPr lvl="4"/>
             <a:r>
-              <a:rPr lang="en-US" dirty="0"/>
-              <a:t>Fifth level</a:t>
+              <a:rPr lang="fr-FR"/>
+              <a:t>Cinquième niveau</a:t>
             </a:r>
           </a:p>
         </p:txBody>
       </p:sp>
       <p:sp>
         <p:nvSpPr>
-          <p:cNvPr id="4" name="Date Placeholder 3">
+          <p:cNvPr id="4" name="Espace réservé de la date 3">
             <a:extLst>
               <a:ext uri="{FF2B5EF4-FFF2-40B4-BE49-F238E27FC236}">
-                <a16:creationId xmlns:a16="http://schemas.microsoft.com/office/drawing/2014/main" id="{D63C0BD9-4BED-43D3-852F-B74B949A2287}"/>
+                <a16:creationId xmlns:a16="http://schemas.microsoft.com/office/drawing/2014/main" id="{6FEC89F0-8F7E-98C4-F3CC-4C8D755487E7}"/>
               </a:ext>
             </a:extLst>
           </p:cNvPr>
@@ -7405,18 +7417,19 @@
           <a:p>
             <a:fld id="{AA70F276-1833-4A75-9C1D-A56E2295A68D}" type="datetimeFigureOut">
               <a:rPr lang="en-US" smtClean="0"/>
-              <a:t>1/3/2023</a:t>
+              <a:pPr/>
+              <a:t>1/6/2023</a:t>
             </a:fld>
-            <a:endParaRPr lang="en-US"/>
+            <a:endParaRPr lang="en-US" dirty="0"/>
           </a:p>
         </p:txBody>
       </p:sp>
       <p:sp>
         <p:nvSpPr>
-          <p:cNvPr id="5" name="Footer Placeholder 4">
+          <p:cNvPr id="5" name="Espace réservé du pied de page 4">
             <a:extLst>
               <a:ext uri="{FF2B5EF4-FFF2-40B4-BE49-F238E27FC236}">
-                <a16:creationId xmlns:a16="http://schemas.microsoft.com/office/drawing/2014/main" id="{BB7811DC-C725-4462-B622-DB96A8987673}"/>
+                <a16:creationId xmlns:a16="http://schemas.microsoft.com/office/drawing/2014/main" id="{BE895EDD-0A1B-34AA-1BDF-9CDDBC27CBF7}"/>
               </a:ext>
             </a:extLst>
           </p:cNvPr>
@@ -7432,16 +7445,20 @@
           <a:bodyPr/>
           <a:lstStyle/>
           <a:p>
-            <a:endParaRPr lang="en-US"/>
+            <a:endParaRPr lang="en-US">
+              <a:solidFill>
+                <a:srgbClr val="FFFFFF"/>
+              </a:solidFill>
+            </a:endParaRPr>
           </a:p>
         </p:txBody>
       </p:sp>
       <p:sp>
         <p:nvSpPr>
-          <p:cNvPr id="6" name="Slide Number Placeholder 5">
+          <p:cNvPr id="6" name="Espace réservé du numéro de diapositive 5">
             <a:extLst>
               <a:ext uri="{FF2B5EF4-FFF2-40B4-BE49-F238E27FC236}">
-                <a16:creationId xmlns:a16="http://schemas.microsoft.com/office/drawing/2014/main" id="{67C42D06-438F-4150-9238-E2FAEE5E28D9}"/>
+                <a16:creationId xmlns:a16="http://schemas.microsoft.com/office/drawing/2014/main" id="{BBD41969-05C4-BF99-F5A5-757C7D18E513}"/>
               </a:ext>
             </a:extLst>
           </p:cNvPr>
@@ -7459,6 +7476,7 @@
           <a:p>
             <a:fld id="{28844951-7827-47D4-8276-7DDE1FA7D85A}" type="slidenum">
               <a:rPr lang="en-US" smtClean="0"/>
+              <a:pPr/>
               <a:t>‹N°›</a:t>
             </a:fld>
             <a:endParaRPr lang="en-US"/>
@@ -7468,7 +7486,7 @@
     </p:spTree>
     <p:extLst>
       <p:ext uri="{BB962C8B-B14F-4D97-AF65-F5344CB8AC3E}">
-        <p14:creationId xmlns:p14="http://schemas.microsoft.com/office/powerpoint/2010/main" val="3979400363"/>
+        <p14:creationId xmlns:p14="http://schemas.microsoft.com/office/powerpoint/2010/main" val="4034042946"/>
       </p:ext>
     </p:extLst>
   </p:cSld>
@@ -7480,7 +7498,7 @@
 
 <file path=ppt/slideLayouts/slideLayout2.xml><?xml version="1.0" encoding="utf-8"?>
 <p:sldLayout xmlns:a="http://schemas.openxmlformats.org/drawingml/2006/main" xmlns:r="http://schemas.openxmlformats.org/officeDocument/2006/relationships" xmlns:p="http://schemas.openxmlformats.org/presentationml/2006/main" type="obj" preserve="1">
-  <p:cSld name="Title and Content">
+  <p:cSld name="Titre et contenu">
     <p:spTree>
       <p:nvGrpSpPr>
         <p:cNvPr id="1" name=""/>
@@ -7497,10 +7515,10 @@
       </p:grpSpPr>
       <p:sp>
         <p:nvSpPr>
-          <p:cNvPr id="2" name="Title 1">
+          <p:cNvPr id="2" name="Titre 1">
             <a:extLst>
               <a:ext uri="{FF2B5EF4-FFF2-40B4-BE49-F238E27FC236}">
-                <a16:creationId xmlns:a16="http://schemas.microsoft.com/office/drawing/2014/main" id="{77B98991-AEF1-4F19-AAB8-436EAD58C282}"/>
+                <a16:creationId xmlns:a16="http://schemas.microsoft.com/office/drawing/2014/main" id="{26805C7F-CB6E-4F97-F475-11C72AC2A3C8}"/>
               </a:ext>
             </a:extLst>
           </p:cNvPr>
@@ -7517,19 +7535,18 @@
           <a:lstStyle/>
           <a:p>
             <a:r>
-              <a:rPr lang="en-US"/>
-              <a:t>Click to edit Master title style</a:t>
-            </a:r>
-            <a:endParaRPr lang="en-US" dirty="0"/>
+              <a:rPr lang="fr-FR"/>
+              <a:t>Modifiez le style du titre</a:t>
+            </a:r>
           </a:p>
         </p:txBody>
       </p:sp>
       <p:sp>
         <p:nvSpPr>
-          <p:cNvPr id="3" name="Content Placeholder 2">
+          <p:cNvPr id="3" name="Espace réservé du contenu 2">
             <a:extLst>
               <a:ext uri="{FF2B5EF4-FFF2-40B4-BE49-F238E27FC236}">
-                <a16:creationId xmlns:a16="http://schemas.microsoft.com/office/drawing/2014/main" id="{0D25B44F-E7DA-40C6-8B44-71EAB6BDFC98}"/>
+                <a16:creationId xmlns:a16="http://schemas.microsoft.com/office/drawing/2014/main" id="{97B64A34-F1C2-55C0-E08E-97BB1AA52CF5}"/>
               </a:ext>
             </a:extLst>
           </p:cNvPr>
@@ -7543,76 +7560,50 @@
         <p:spPr/>
         <p:txBody>
           <a:bodyPr/>
-          <a:lstStyle>
-            <a:lvl1pPr>
-              <a:buFont typeface="Wingdings" panose="05000000000000000000" pitchFamily="2" charset="2"/>
-              <a:buChar char="§"/>
-              <a:defRPr/>
-            </a:lvl1pPr>
-            <a:lvl2pPr marL="685800" indent="-228600">
-              <a:buFont typeface="Wingdings" panose="05000000000000000000" pitchFamily="2" charset="2"/>
-              <a:buChar char="§"/>
-              <a:defRPr/>
-            </a:lvl2pPr>
-            <a:lvl3pPr>
-              <a:buFont typeface="Wingdings" panose="05000000000000000000" pitchFamily="2" charset="2"/>
-              <a:buChar char="§"/>
-              <a:defRPr/>
-            </a:lvl3pPr>
-            <a:lvl4pPr marL="1600200" indent="-228600">
-              <a:buFont typeface="Wingdings" panose="05000000000000000000" pitchFamily="2" charset="2"/>
-              <a:buChar char="§"/>
-              <a:defRPr/>
-            </a:lvl4pPr>
-            <a:lvl5pPr>
-              <a:buFont typeface="Wingdings" panose="05000000000000000000" pitchFamily="2" charset="2"/>
-              <a:buChar char="§"/>
-              <a:defRPr/>
-            </a:lvl5pPr>
-          </a:lstStyle>
+          <a:lstStyle/>
           <a:p>
             <a:pPr lvl="0"/>
             <a:r>
-              <a:rPr lang="en-US" dirty="0"/>
-              <a:t>Click to edit Master text styles</a:t>
+              <a:rPr lang="fr-FR"/>
+              <a:t>Cliquez pour modifier les styles du texte du masque</a:t>
             </a:r>
           </a:p>
           <a:p>
             <a:pPr lvl="1"/>
             <a:r>
-              <a:rPr lang="en-US" dirty="0"/>
-              <a:t>Second level</a:t>
+              <a:rPr lang="fr-FR"/>
+              <a:t>Deuxième niveau</a:t>
             </a:r>
           </a:p>
           <a:p>
             <a:pPr lvl="2"/>
             <a:r>
-              <a:rPr lang="en-US" dirty="0"/>
-              <a:t>Third level</a:t>
+              <a:rPr lang="fr-FR"/>
+              <a:t>Troisième niveau</a:t>
             </a:r>
           </a:p>
           <a:p>
             <a:pPr lvl="3"/>
             <a:r>
-              <a:rPr lang="en-US" dirty="0"/>
-              <a:t>Fourth level</a:t>
+              <a:rPr lang="fr-FR"/>
+              <a:t>Quatrième niveau</a:t>
             </a:r>
           </a:p>
           <a:p>
             <a:pPr lvl="4"/>
             <a:r>
-              <a:rPr lang="en-US" dirty="0"/>
-              <a:t>Fifth level</a:t>
+              <a:rPr lang="fr-FR"/>
+              <a:t>Cinquième niveau</a:t>
             </a:r>
           </a:p>
         </p:txBody>
       </p:sp>
       <p:sp>
         <p:nvSpPr>
-          <p:cNvPr id="4" name="Date Placeholder 3">
+          <p:cNvPr id="4" name="Espace réservé de la date 3">
             <a:extLst>
               <a:ext uri="{FF2B5EF4-FFF2-40B4-BE49-F238E27FC236}">
-                <a16:creationId xmlns:a16="http://schemas.microsoft.com/office/drawing/2014/main" id="{A1F71817-A045-48C0-975B-CBEF88E9561E}"/>
+                <a16:creationId xmlns:a16="http://schemas.microsoft.com/office/drawing/2014/main" id="{CD9925F8-E6CD-EFC4-CF2C-E52501A5B3F3}"/>
               </a:ext>
             </a:extLst>
           </p:cNvPr>
@@ -7630,18 +7621,19 @@
           <a:p>
             <a:fld id="{AA70F276-1833-4A75-9C1D-A56E2295A68D}" type="datetimeFigureOut">
               <a:rPr lang="en-US" smtClean="0"/>
-              <a:t>1/3/2023</a:t>
+              <a:pPr/>
+              <a:t>1/6/2023</a:t>
             </a:fld>
-            <a:endParaRPr lang="en-US"/>
+            <a:endParaRPr lang="en-US" dirty="0"/>
           </a:p>
         </p:txBody>
       </p:sp>
       <p:sp>
         <p:nvSpPr>
-          <p:cNvPr id="5" name="Footer Placeholder 4">
+          <p:cNvPr id="5" name="Espace réservé du pied de page 4">
             <a:extLst>
               <a:ext uri="{FF2B5EF4-FFF2-40B4-BE49-F238E27FC236}">
-                <a16:creationId xmlns:a16="http://schemas.microsoft.com/office/drawing/2014/main" id="{B61C39F0-32D4-407C-8BCA-97F2D9E500C9}"/>
+                <a16:creationId xmlns:a16="http://schemas.microsoft.com/office/drawing/2014/main" id="{DD91E66F-BB7A-A91E-1D41-AC0A23F22B9A}"/>
               </a:ext>
             </a:extLst>
           </p:cNvPr>
@@ -7657,16 +7649,20 @@
           <a:bodyPr/>
           <a:lstStyle/>
           <a:p>
-            <a:endParaRPr lang="en-US"/>
+            <a:endParaRPr lang="en-US">
+              <a:solidFill>
+                <a:srgbClr val="FFFFFF"/>
+              </a:solidFill>
+            </a:endParaRPr>
           </a:p>
         </p:txBody>
       </p:sp>
       <p:sp>
         <p:nvSpPr>
-          <p:cNvPr id="6" name="Slide Number Placeholder 5">
+          <p:cNvPr id="6" name="Espace réservé du numéro de diapositive 5">
             <a:extLst>
               <a:ext uri="{FF2B5EF4-FFF2-40B4-BE49-F238E27FC236}">
-                <a16:creationId xmlns:a16="http://schemas.microsoft.com/office/drawing/2014/main" id="{99CF4459-37B2-4F87-B508-DB04D4332067}"/>
+                <a16:creationId xmlns:a16="http://schemas.microsoft.com/office/drawing/2014/main" id="{B24EE7A8-8C6B-3F3A-1617-F5AF08EEE79E}"/>
               </a:ext>
             </a:extLst>
           </p:cNvPr>
@@ -7684,6 +7680,7 @@
           <a:p>
             <a:fld id="{28844951-7827-47D4-8276-7DDE1FA7D85A}" type="slidenum">
               <a:rPr lang="en-US" smtClean="0"/>
+              <a:pPr/>
               <a:t>‹N°›</a:t>
             </a:fld>
             <a:endParaRPr lang="en-US"/>
@@ -7693,7 +7690,7 @@
     </p:spTree>
     <p:extLst>
       <p:ext uri="{BB962C8B-B14F-4D97-AF65-F5344CB8AC3E}">
-        <p14:creationId xmlns:p14="http://schemas.microsoft.com/office/powerpoint/2010/main" val="1654052401"/>
+        <p14:creationId xmlns:p14="http://schemas.microsoft.com/office/powerpoint/2010/main" val="58345005"/>
       </p:ext>
     </p:extLst>
   </p:cSld>
@@ -7705,7 +7702,7 @@
 
 <file path=ppt/slideLayouts/slideLayout3.xml><?xml version="1.0" encoding="utf-8"?>
 <p:sldLayout xmlns:a="http://schemas.openxmlformats.org/drawingml/2006/main" xmlns:r="http://schemas.openxmlformats.org/officeDocument/2006/relationships" xmlns:p="http://schemas.openxmlformats.org/presentationml/2006/main" type="secHead" preserve="1">
-  <p:cSld name="Section Header">
+  <p:cSld name="Titre de section">
     <p:spTree>
       <p:nvGrpSpPr>
         <p:cNvPr id="1" name=""/>
@@ -7722,10 +7719,10 @@
       </p:grpSpPr>
       <p:sp>
         <p:nvSpPr>
-          <p:cNvPr id="2" name="Title 1">
+          <p:cNvPr id="2" name="Titre 1">
             <a:extLst>
               <a:ext uri="{FF2B5EF4-FFF2-40B4-BE49-F238E27FC236}">
-                <a16:creationId xmlns:a16="http://schemas.microsoft.com/office/drawing/2014/main" id="{D5CBBD03-9D57-48E9-8B43-688B72997276}"/>
+                <a16:creationId xmlns:a16="http://schemas.microsoft.com/office/drawing/2014/main" id="{314B9D73-D737-59CC-CE92-C2ED51E41C38}"/>
               </a:ext>
             </a:extLst>
           </p:cNvPr>
@@ -7746,24 +7743,23 @@
           <a:bodyPr anchor="b"/>
           <a:lstStyle>
             <a:lvl1pPr>
-              <a:defRPr sz="5400"/>
+              <a:defRPr sz="6000"/>
             </a:lvl1pPr>
           </a:lstStyle>
           <a:p>
             <a:r>
-              <a:rPr lang="en-US"/>
-              <a:t>Click to edit Master title style</a:t>
-            </a:r>
-            <a:endParaRPr lang="en-US" dirty="0"/>
+              <a:rPr lang="fr-FR"/>
+              <a:t>Modifiez le style du titre</a:t>
+            </a:r>
           </a:p>
         </p:txBody>
       </p:sp>
       <p:sp>
         <p:nvSpPr>
-          <p:cNvPr id="3" name="Text Placeholder 2">
+          <p:cNvPr id="3" name="Espace réservé du texte 2">
             <a:extLst>
               <a:ext uri="{FF2B5EF4-FFF2-40B4-BE49-F238E27FC236}">
-                <a16:creationId xmlns:a16="http://schemas.microsoft.com/office/drawing/2014/main" id="{783F376C-8A2F-4BE5-9669-4A6DA21B771A}"/>
+                <a16:creationId xmlns:a16="http://schemas.microsoft.com/office/drawing/2014/main" id="{EDA7AC80-AC79-1E83-78BC-D2A97C062A18}"/>
               </a:ext>
             </a:extLst>
           </p:cNvPr>
@@ -7877,18 +7873,18 @@
           <a:p>
             <a:pPr lvl="0"/>
             <a:r>
-              <a:rPr lang="en-US"/>
-              <a:t>Click to edit Master text styles</a:t>
+              <a:rPr lang="fr-FR"/>
+              <a:t>Cliquez pour modifier les styles du texte du masque</a:t>
             </a:r>
           </a:p>
         </p:txBody>
       </p:sp>
       <p:sp>
         <p:nvSpPr>
-          <p:cNvPr id="4" name="Date Placeholder 3">
+          <p:cNvPr id="4" name="Espace réservé de la date 3">
             <a:extLst>
               <a:ext uri="{FF2B5EF4-FFF2-40B4-BE49-F238E27FC236}">
-                <a16:creationId xmlns:a16="http://schemas.microsoft.com/office/drawing/2014/main" id="{52654893-212E-4450-8F7A-27256B31F9FB}"/>
+                <a16:creationId xmlns:a16="http://schemas.microsoft.com/office/drawing/2014/main" id="{47692338-0EC6-F60A-07D3-0296CB0E637E}"/>
               </a:ext>
             </a:extLst>
           </p:cNvPr>
@@ -7906,18 +7902,19 @@
           <a:p>
             <a:fld id="{AA70F276-1833-4A75-9C1D-A56E2295A68D}" type="datetimeFigureOut">
               <a:rPr lang="en-US" smtClean="0"/>
-              <a:t>1/3/2023</a:t>
+              <a:pPr/>
+              <a:t>1/6/2023</a:t>
             </a:fld>
-            <a:endParaRPr lang="en-US"/>
+            <a:endParaRPr lang="en-US" dirty="0"/>
           </a:p>
         </p:txBody>
       </p:sp>
       <p:sp>
         <p:nvSpPr>
-          <p:cNvPr id="5" name="Footer Placeholder 4">
+          <p:cNvPr id="5" name="Espace réservé du pied de page 4">
             <a:extLst>
               <a:ext uri="{FF2B5EF4-FFF2-40B4-BE49-F238E27FC236}">
-                <a16:creationId xmlns:a16="http://schemas.microsoft.com/office/drawing/2014/main" id="{600E881A-3958-44A9-9EDB-D86F4E4144C0}"/>
+                <a16:creationId xmlns:a16="http://schemas.microsoft.com/office/drawing/2014/main" id="{455764BE-029A-23BF-2F98-E6B8CD086B8D}"/>
               </a:ext>
             </a:extLst>
           </p:cNvPr>
@@ -7933,16 +7930,20 @@
           <a:bodyPr/>
           <a:lstStyle/>
           <a:p>
-            <a:endParaRPr lang="en-US"/>
+            <a:endParaRPr lang="en-US">
+              <a:solidFill>
+                <a:srgbClr val="FFFFFF"/>
+              </a:solidFill>
+            </a:endParaRPr>
           </a:p>
         </p:txBody>
       </p:sp>
       <p:sp>
         <p:nvSpPr>
-          <p:cNvPr id="6" name="Slide Number Placeholder 5">
+          <p:cNvPr id="6" name="Espace réservé du numéro de diapositive 5">
             <a:extLst>
               <a:ext uri="{FF2B5EF4-FFF2-40B4-BE49-F238E27FC236}">
-                <a16:creationId xmlns:a16="http://schemas.microsoft.com/office/drawing/2014/main" id="{CFEDBC4F-D9B8-4BFA-BE4F-D4B9B739D1BA}"/>
+                <a16:creationId xmlns:a16="http://schemas.microsoft.com/office/drawing/2014/main" id="{14A4C92E-D3A3-3403-3655-A6F8BE6CBAD5}"/>
               </a:ext>
             </a:extLst>
           </p:cNvPr>
@@ -7960,6 +7961,7 @@
           <a:p>
             <a:fld id="{28844951-7827-47D4-8276-7DDE1FA7D85A}" type="slidenum">
               <a:rPr lang="en-US" smtClean="0"/>
+              <a:pPr/>
               <a:t>‹N°›</a:t>
             </a:fld>
             <a:endParaRPr lang="en-US"/>
@@ -7969,7 +7971,7 @@
     </p:spTree>
     <p:extLst>
       <p:ext uri="{BB962C8B-B14F-4D97-AF65-F5344CB8AC3E}">
-        <p14:creationId xmlns:p14="http://schemas.microsoft.com/office/powerpoint/2010/main" val="2130757239"/>
+        <p14:creationId xmlns:p14="http://schemas.microsoft.com/office/powerpoint/2010/main" val="1339766312"/>
       </p:ext>
     </p:extLst>
   </p:cSld>
@@ -7981,7 +7983,7 @@
 
 <file path=ppt/slideLayouts/slideLayout4.xml><?xml version="1.0" encoding="utf-8"?>
 <p:sldLayout xmlns:a="http://schemas.openxmlformats.org/drawingml/2006/main" xmlns:r="http://schemas.openxmlformats.org/officeDocument/2006/relationships" xmlns:p="http://schemas.openxmlformats.org/presentationml/2006/main" type="twoObj" preserve="1">
-  <p:cSld name="Two Content">
+  <p:cSld name="Deux contenus">
     <p:spTree>
       <p:nvGrpSpPr>
         <p:cNvPr id="1" name=""/>
@@ -7998,10 +8000,10 @@
       </p:grpSpPr>
       <p:sp>
         <p:nvSpPr>
-          <p:cNvPr id="2" name="Title 1">
+          <p:cNvPr id="2" name="Titre 1">
             <a:extLst>
               <a:ext uri="{FF2B5EF4-FFF2-40B4-BE49-F238E27FC236}">
-                <a16:creationId xmlns:a16="http://schemas.microsoft.com/office/drawing/2014/main" id="{2CDC8777-C460-4649-8822-CA943386D06D}"/>
+                <a16:creationId xmlns:a16="http://schemas.microsoft.com/office/drawing/2014/main" id="{7FC99EE0-0946-F571-94B5-8514EA3AC158}"/>
               </a:ext>
             </a:extLst>
           </p:cNvPr>
@@ -8015,26 +8017,21 @@
         <p:spPr/>
         <p:txBody>
           <a:bodyPr/>
-          <a:lstStyle>
-            <a:lvl1pPr>
-              <a:defRPr sz="4800"/>
-            </a:lvl1pPr>
-          </a:lstStyle>
-          <a:p>
-            <a:r>
-              <a:rPr lang="en-US"/>
-              <a:t>Click to edit Master title style</a:t>
-            </a:r>
-            <a:endParaRPr lang="en-US" dirty="0"/>
+          <a:lstStyle/>
+          <a:p>
+            <a:r>
+              <a:rPr lang="fr-FR"/>
+              <a:t>Modifiez le style du titre</a:t>
+            </a:r>
           </a:p>
         </p:txBody>
       </p:sp>
       <p:sp>
         <p:nvSpPr>
-          <p:cNvPr id="3" name="Content Placeholder 2">
+          <p:cNvPr id="3" name="Espace réservé du contenu 2">
             <a:extLst>
               <a:ext uri="{FF2B5EF4-FFF2-40B4-BE49-F238E27FC236}">
-                <a16:creationId xmlns:a16="http://schemas.microsoft.com/office/drawing/2014/main" id="{AFDF69E6-1094-437B-AA7E-0E21B7136CCA}"/>
+                <a16:creationId xmlns:a16="http://schemas.microsoft.com/office/drawing/2014/main" id="{A8ADC404-61C5-7EBF-2380-E25D0B511A30}"/>
               </a:ext>
             </a:extLst>
           </p:cNvPr>
@@ -8047,8 +8044,8 @@
         </p:nvSpPr>
         <p:spPr>
           <a:xfrm>
-            <a:off x="838200" y="2057399"/>
-            <a:ext cx="5181600" cy="4119563"/>
+            <a:off x="838200" y="1825625"/>
+            <a:ext cx="5181600" cy="4351338"/>
           </a:xfrm>
         </p:spPr>
         <p:txBody>
@@ -8057,46 +8054,46 @@
           <a:p>
             <a:pPr lvl="0"/>
             <a:r>
-              <a:rPr lang="en-US" dirty="0"/>
-              <a:t>Click to edit Master text styles</a:t>
+              <a:rPr lang="fr-FR"/>
+              <a:t>Cliquez pour modifier les styles du texte du masque</a:t>
             </a:r>
           </a:p>
           <a:p>
             <a:pPr lvl="1"/>
             <a:r>
-              <a:rPr lang="en-US" dirty="0"/>
-              <a:t>Second level</a:t>
+              <a:rPr lang="fr-FR"/>
+              <a:t>Deuxième niveau</a:t>
             </a:r>
           </a:p>
           <a:p>
             <a:pPr lvl="2"/>
             <a:r>
-              <a:rPr lang="en-US" dirty="0"/>
-              <a:t>Third level</a:t>
+              <a:rPr lang="fr-FR"/>
+              <a:t>Troisième niveau</a:t>
             </a:r>
           </a:p>
           <a:p>
             <a:pPr lvl="3"/>
             <a:r>
-              <a:rPr lang="en-US" dirty="0"/>
-              <a:t>Fourth level</a:t>
+              <a:rPr lang="fr-FR"/>
+              <a:t>Quatrième niveau</a:t>
             </a:r>
           </a:p>
           <a:p>
             <a:pPr lvl="4"/>
             <a:r>
-              <a:rPr lang="en-US" dirty="0"/>
-              <a:t>Fifth level</a:t>
+              <a:rPr lang="fr-FR"/>
+              <a:t>Cinquième niveau</a:t>
             </a:r>
           </a:p>
         </p:txBody>
       </p:sp>
       <p:sp>
         <p:nvSpPr>
-          <p:cNvPr id="4" name="Content Placeholder 3">
+          <p:cNvPr id="4" name="Espace réservé du contenu 3">
             <a:extLst>
               <a:ext uri="{FF2B5EF4-FFF2-40B4-BE49-F238E27FC236}">
-                <a16:creationId xmlns:a16="http://schemas.microsoft.com/office/drawing/2014/main" id="{C20BC963-4591-4BE3-AE63-4999A13C5054}"/>
+                <a16:creationId xmlns:a16="http://schemas.microsoft.com/office/drawing/2014/main" id="{D2D3C653-0E55-47F9-B04B-FCF3F1FF8917}"/>
               </a:ext>
             </a:extLst>
           </p:cNvPr>
@@ -8109,8 +8106,8 @@
         </p:nvSpPr>
         <p:spPr>
           <a:xfrm>
-            <a:off x="6172200" y="2057399"/>
-            <a:ext cx="5181600" cy="4119563"/>
+            <a:off x="6172200" y="1825625"/>
+            <a:ext cx="5181600" cy="4351338"/>
           </a:xfrm>
         </p:spPr>
         <p:txBody>
@@ -8119,46 +8116,46 @@
           <a:p>
             <a:pPr lvl="0"/>
             <a:r>
-              <a:rPr lang="en-US"/>
-              <a:t>Click to edit Master text styles</a:t>
+              <a:rPr lang="fr-FR"/>
+              <a:t>Cliquez pour modifier les styles du texte du masque</a:t>
             </a:r>
           </a:p>
           <a:p>
             <a:pPr lvl="1"/>
             <a:r>
-              <a:rPr lang="en-US"/>
-              <a:t>Second level</a:t>
+              <a:rPr lang="fr-FR"/>
+              <a:t>Deuxième niveau</a:t>
             </a:r>
           </a:p>
           <a:p>
             <a:pPr lvl="2"/>
             <a:r>
-              <a:rPr lang="en-US"/>
-              <a:t>Third level</a:t>
+              <a:rPr lang="fr-FR"/>
+              <a:t>Troisième niveau</a:t>
             </a:r>
           </a:p>
           <a:p>
             <a:pPr lvl="3"/>
             <a:r>
-              <a:rPr lang="en-US"/>
-              <a:t>Fourth level</a:t>
+              <a:rPr lang="fr-FR"/>
+              <a:t>Quatrième niveau</a:t>
             </a:r>
           </a:p>
           <a:p>
             <a:pPr lvl="4"/>
             <a:r>
-              <a:rPr lang="en-US"/>
-              <a:t>Fifth level</a:t>
+              <a:rPr lang="fr-FR"/>
+              <a:t>Cinquième niveau</a:t>
             </a:r>
           </a:p>
         </p:txBody>
       </p:sp>
       <p:sp>
         <p:nvSpPr>
-          <p:cNvPr id="5" name="Date Placeholder 4">
+          <p:cNvPr id="5" name="Espace réservé de la date 4">
             <a:extLst>
               <a:ext uri="{FF2B5EF4-FFF2-40B4-BE49-F238E27FC236}">
-                <a16:creationId xmlns:a16="http://schemas.microsoft.com/office/drawing/2014/main" id="{C504D5BB-DB84-4266-9B4F-E65CCFE5B310}"/>
+                <a16:creationId xmlns:a16="http://schemas.microsoft.com/office/drawing/2014/main" id="{60EC8E48-6011-74B4-4337-0B97FCC9863F}"/>
               </a:ext>
             </a:extLst>
           </p:cNvPr>
@@ -8176,18 +8173,19 @@
           <a:p>
             <a:fld id="{AA70F276-1833-4A75-9C1D-A56E2295A68D}" type="datetimeFigureOut">
               <a:rPr lang="en-US" smtClean="0"/>
-              <a:t>1/3/2023</a:t>
+              <a:pPr/>
+              <a:t>1/6/2023</a:t>
             </a:fld>
-            <a:endParaRPr lang="en-US"/>
+            <a:endParaRPr lang="en-US" dirty="0"/>
           </a:p>
         </p:txBody>
       </p:sp>
       <p:sp>
         <p:nvSpPr>
-          <p:cNvPr id="6" name="Footer Placeholder 5">
+          <p:cNvPr id="6" name="Espace réservé du pied de page 5">
             <a:extLst>
               <a:ext uri="{FF2B5EF4-FFF2-40B4-BE49-F238E27FC236}">
-                <a16:creationId xmlns:a16="http://schemas.microsoft.com/office/drawing/2014/main" id="{891A99B5-D493-4AB1-AF24-6660540D56AD}"/>
+                <a16:creationId xmlns:a16="http://schemas.microsoft.com/office/drawing/2014/main" id="{456F608B-C8D2-D3D9-43EF-A1AAD7CE71D4}"/>
               </a:ext>
             </a:extLst>
           </p:cNvPr>
@@ -8203,16 +8201,20 @@
           <a:bodyPr/>
           <a:lstStyle/>
           <a:p>
-            <a:endParaRPr lang="en-US"/>
+            <a:endParaRPr lang="en-US">
+              <a:solidFill>
+                <a:srgbClr val="FFFFFF"/>
+              </a:solidFill>
+            </a:endParaRPr>
           </a:p>
         </p:txBody>
       </p:sp>
       <p:sp>
         <p:nvSpPr>
-          <p:cNvPr id="7" name="Slide Number Placeholder 6">
+          <p:cNvPr id="7" name="Espace réservé du numéro de diapositive 6">
             <a:extLst>
               <a:ext uri="{FF2B5EF4-FFF2-40B4-BE49-F238E27FC236}">
-                <a16:creationId xmlns:a16="http://schemas.microsoft.com/office/drawing/2014/main" id="{BFE178D0-5F1E-43FA-B447-53501EDD17C0}"/>
+                <a16:creationId xmlns:a16="http://schemas.microsoft.com/office/drawing/2014/main" id="{64C340A4-53BD-A289-AEDF-630C45684900}"/>
               </a:ext>
             </a:extLst>
           </p:cNvPr>
@@ -8230,6 +8232,7 @@
           <a:p>
             <a:fld id="{28844951-7827-47D4-8276-7DDE1FA7D85A}" type="slidenum">
               <a:rPr lang="en-US" smtClean="0"/>
+              <a:pPr/>
               <a:t>‹N°›</a:t>
             </a:fld>
             <a:endParaRPr lang="en-US"/>
@@ -8239,7 +8242,7 @@
     </p:spTree>
     <p:extLst>
       <p:ext uri="{BB962C8B-B14F-4D97-AF65-F5344CB8AC3E}">
-        <p14:creationId xmlns:p14="http://schemas.microsoft.com/office/powerpoint/2010/main" val="3059850392"/>
+        <p14:creationId xmlns:p14="http://schemas.microsoft.com/office/powerpoint/2010/main" val="3927422544"/>
       </p:ext>
     </p:extLst>
   </p:cSld>
@@ -8251,7 +8254,7 @@
 
 <file path=ppt/slideLayouts/slideLayout5.xml><?xml version="1.0" encoding="utf-8"?>
 <p:sldLayout xmlns:a="http://schemas.openxmlformats.org/drawingml/2006/main" xmlns:r="http://schemas.openxmlformats.org/officeDocument/2006/relationships" xmlns:p="http://schemas.openxmlformats.org/presentationml/2006/main" type="twoTxTwoObj" preserve="1">
-  <p:cSld name="Comparison">
+  <p:cSld name="Comparaison">
     <p:spTree>
       <p:nvGrpSpPr>
         <p:cNvPr id="1" name=""/>
@@ -8268,10 +8271,10 @@
       </p:grpSpPr>
       <p:sp>
         <p:nvSpPr>
-          <p:cNvPr id="2" name="Title 1">
+          <p:cNvPr id="2" name="Titre 1">
             <a:extLst>
               <a:ext uri="{FF2B5EF4-FFF2-40B4-BE49-F238E27FC236}">
-                <a16:creationId xmlns:a16="http://schemas.microsoft.com/office/drawing/2014/main" id="{4DDC85CC-8D2B-4219-A2A4-1625A02DFECD}"/>
+                <a16:creationId xmlns:a16="http://schemas.microsoft.com/office/drawing/2014/main" id="{1FF50D33-C956-3607-1447-50E919E788A5}"/>
               </a:ext>
             </a:extLst>
           </p:cNvPr>
@@ -8284,8 +8287,8 @@
         </p:nvSpPr>
         <p:spPr>
           <a:xfrm>
-            <a:off x="839788" y="668338"/>
-            <a:ext cx="10515600" cy="1084262"/>
+            <a:off x="839788" y="365125"/>
+            <a:ext cx="10515600" cy="1325563"/>
           </a:xfrm>
         </p:spPr>
         <p:txBody>
@@ -8293,18 +8296,18 @@
           <a:lstStyle/>
           <a:p>
             <a:r>
-              <a:rPr lang="en-US" dirty="0"/>
-              <a:t>Click to edit Master title style</a:t>
+              <a:rPr lang="fr-FR"/>
+              <a:t>Modifiez le style du titre</a:t>
             </a:r>
           </a:p>
         </p:txBody>
       </p:sp>
       <p:sp>
         <p:nvSpPr>
-          <p:cNvPr id="3" name="Text Placeholder 2">
+          <p:cNvPr id="3" name="Espace réservé du texte 2">
             <a:extLst>
               <a:ext uri="{FF2B5EF4-FFF2-40B4-BE49-F238E27FC236}">
-                <a16:creationId xmlns:a16="http://schemas.microsoft.com/office/drawing/2014/main" id="{DD6143C8-1CF7-440E-99A3-0527314598C6}"/>
+                <a16:creationId xmlns:a16="http://schemas.microsoft.com/office/drawing/2014/main" id="{94A6FCC1-AF79-6119-E042-54CBCF4A9136}"/>
               </a:ext>
             </a:extLst>
           </p:cNvPr>
@@ -8317,7 +8320,7 @@
         </p:nvSpPr>
         <p:spPr>
           <a:xfrm>
-            <a:off x="839788" y="1828800"/>
+            <a:off x="839788" y="1681163"/>
             <a:ext cx="5157787" cy="823912"/>
           </a:xfrm>
         </p:spPr>
@@ -8326,7 +8329,7 @@
           <a:lstStyle>
             <a:lvl1pPr marL="0" indent="0">
               <a:buNone/>
-              <a:defRPr sz="2400" b="0"/>
+              <a:defRPr sz="2400" b="1"/>
             </a:lvl1pPr>
             <a:lvl2pPr marL="457200" indent="0">
               <a:buNone/>
@@ -8364,18 +8367,18 @@
           <a:p>
             <a:pPr lvl="0"/>
             <a:r>
-              <a:rPr lang="en-US" dirty="0"/>
-              <a:t>Click to edit Master text styles</a:t>
+              <a:rPr lang="fr-FR"/>
+              <a:t>Cliquez pour modifier les styles du texte du masque</a:t>
             </a:r>
           </a:p>
         </p:txBody>
       </p:sp>
       <p:sp>
         <p:nvSpPr>
-          <p:cNvPr id="4" name="Content Placeholder 3">
+          <p:cNvPr id="4" name="Espace réservé du contenu 3">
             <a:extLst>
               <a:ext uri="{FF2B5EF4-FFF2-40B4-BE49-F238E27FC236}">
-                <a16:creationId xmlns:a16="http://schemas.microsoft.com/office/drawing/2014/main" id="{AEEFF5CA-4662-4430-80C7-99CD7D66C9CF}"/>
+                <a16:creationId xmlns:a16="http://schemas.microsoft.com/office/drawing/2014/main" id="{B559CD70-5469-614E-68A9-51AA254B09EF}"/>
               </a:ext>
             </a:extLst>
           </p:cNvPr>
@@ -8388,8 +8391,8 @@
         </p:nvSpPr>
         <p:spPr>
           <a:xfrm>
-            <a:off x="839788" y="2743199"/>
-            <a:ext cx="5157787" cy="3446463"/>
+            <a:off x="839788" y="2505075"/>
+            <a:ext cx="5157787" cy="3684588"/>
           </a:xfrm>
         </p:spPr>
         <p:txBody>
@@ -8398,46 +8401,46 @@
           <a:p>
             <a:pPr lvl="0"/>
             <a:r>
-              <a:rPr lang="en-US" dirty="0"/>
-              <a:t>Click to edit Master text styles</a:t>
+              <a:rPr lang="fr-FR"/>
+              <a:t>Cliquez pour modifier les styles du texte du masque</a:t>
             </a:r>
           </a:p>
           <a:p>
             <a:pPr lvl="1"/>
             <a:r>
-              <a:rPr lang="en-US" dirty="0"/>
-              <a:t>Second level</a:t>
+              <a:rPr lang="fr-FR"/>
+              <a:t>Deuxième niveau</a:t>
             </a:r>
           </a:p>
           <a:p>
             <a:pPr lvl="2"/>
             <a:r>
-              <a:rPr lang="en-US" dirty="0"/>
-              <a:t>Third level</a:t>
+              <a:rPr lang="fr-FR"/>
+              <a:t>Troisième niveau</a:t>
             </a:r>
           </a:p>
           <a:p>
             <a:pPr lvl="3"/>
             <a:r>
-              <a:rPr lang="en-US" dirty="0"/>
-              <a:t>Fourth level</a:t>
+              <a:rPr lang="fr-FR"/>
+              <a:t>Quatrième niveau</a:t>
             </a:r>
           </a:p>
           <a:p>
             <a:pPr lvl="4"/>
             <a:r>
-              <a:rPr lang="en-US" dirty="0"/>
-              <a:t>Fifth level</a:t>
+              <a:rPr lang="fr-FR"/>
+              <a:t>Cinquième niveau</a:t>
             </a:r>
           </a:p>
         </p:txBody>
       </p:sp>
       <p:sp>
         <p:nvSpPr>
-          <p:cNvPr id="5" name="Text Placeholder 4">
+          <p:cNvPr id="5" name="Espace réservé du texte 4">
             <a:extLst>
               <a:ext uri="{FF2B5EF4-FFF2-40B4-BE49-F238E27FC236}">
-                <a16:creationId xmlns:a16="http://schemas.microsoft.com/office/drawing/2014/main" id="{876CB5B7-DC23-41CE-872B-E25BD64F84A5}"/>
+                <a16:creationId xmlns:a16="http://schemas.microsoft.com/office/drawing/2014/main" id="{A9D505B0-3B0D-5968-1DCF-40F6A2D152F5}"/>
               </a:ext>
             </a:extLst>
           </p:cNvPr>
@@ -8450,7 +8453,7 @@
         </p:nvSpPr>
         <p:spPr>
           <a:xfrm>
-            <a:off x="6172200" y="1828800"/>
+            <a:off x="6172200" y="1681163"/>
             <a:ext cx="5183188" cy="823912"/>
           </a:xfrm>
         </p:spPr>
@@ -8459,7 +8462,7 @@
           <a:lstStyle>
             <a:lvl1pPr marL="0" indent="0">
               <a:buNone/>
-              <a:defRPr sz="2400" b="0"/>
+              <a:defRPr sz="2400" b="1"/>
             </a:lvl1pPr>
             <a:lvl2pPr marL="457200" indent="0">
               <a:buNone/>
@@ -8497,18 +8500,18 @@
           <a:p>
             <a:pPr lvl="0"/>
             <a:r>
-              <a:rPr lang="en-US" dirty="0"/>
-              <a:t>Click to edit Master text styles</a:t>
+              <a:rPr lang="fr-FR"/>
+              <a:t>Cliquez pour modifier les styles du texte du masque</a:t>
             </a:r>
           </a:p>
         </p:txBody>
       </p:sp>
       <p:sp>
         <p:nvSpPr>
-          <p:cNvPr id="6" name="Content Placeholder 5">
+          <p:cNvPr id="6" name="Espace réservé du contenu 5">
             <a:extLst>
               <a:ext uri="{FF2B5EF4-FFF2-40B4-BE49-F238E27FC236}">
-                <a16:creationId xmlns:a16="http://schemas.microsoft.com/office/drawing/2014/main" id="{4DF7633C-C24D-4947-979C-132B3AC405A8}"/>
+                <a16:creationId xmlns:a16="http://schemas.microsoft.com/office/drawing/2014/main" id="{837C6107-383C-8F8D-E1CC-5A540917DA5A}"/>
               </a:ext>
             </a:extLst>
           </p:cNvPr>
@@ -8521,8 +8524,8 @@
         </p:nvSpPr>
         <p:spPr>
           <a:xfrm>
-            <a:off x="6172200" y="2743199"/>
-            <a:ext cx="5183188" cy="3446463"/>
+            <a:off x="6172200" y="2505075"/>
+            <a:ext cx="5183188" cy="3684588"/>
           </a:xfrm>
         </p:spPr>
         <p:txBody>
@@ -8531,46 +8534,46 @@
           <a:p>
             <a:pPr lvl="0"/>
             <a:r>
-              <a:rPr lang="en-US"/>
-              <a:t>Click to edit Master text styles</a:t>
+              <a:rPr lang="fr-FR"/>
+              <a:t>Cliquez pour modifier les styles du texte du masque</a:t>
             </a:r>
           </a:p>
           <a:p>
             <a:pPr lvl="1"/>
             <a:r>
-              <a:rPr lang="en-US"/>
-              <a:t>Second level</a:t>
+              <a:rPr lang="fr-FR"/>
+              <a:t>Deuxième niveau</a:t>
             </a:r>
           </a:p>
           <a:p>
             <a:pPr lvl="2"/>
             <a:r>
-              <a:rPr lang="en-US"/>
-              <a:t>Third level</a:t>
+              <a:rPr lang="fr-FR"/>
+              <a:t>Troisième niveau</a:t>
             </a:r>
           </a:p>
           <a:p>
             <a:pPr lvl="3"/>
             <a:r>
-              <a:rPr lang="en-US"/>
-              <a:t>Fourth level</a:t>
+              <a:rPr lang="fr-FR"/>
+              <a:t>Quatrième niveau</a:t>
             </a:r>
           </a:p>
           <a:p>
             <a:pPr lvl="4"/>
             <a:r>
-              <a:rPr lang="en-US"/>
-              <a:t>Fifth level</a:t>
+              <a:rPr lang="fr-FR"/>
+              <a:t>Cinquième niveau</a:t>
             </a:r>
           </a:p>
         </p:txBody>
       </p:sp>
       <p:sp>
         <p:nvSpPr>
-          <p:cNvPr id="7" name="Date Placeholder 6">
+          <p:cNvPr id="7" name="Espace réservé de la date 6">
             <a:extLst>
               <a:ext uri="{FF2B5EF4-FFF2-40B4-BE49-F238E27FC236}">
-                <a16:creationId xmlns:a16="http://schemas.microsoft.com/office/drawing/2014/main" id="{CE8A46E1-3934-4807-900F-CA7A4D8D66B3}"/>
+                <a16:creationId xmlns:a16="http://schemas.microsoft.com/office/drawing/2014/main" id="{FADC23D8-D426-524E-8490-6A035DF9C679}"/>
               </a:ext>
             </a:extLst>
           </p:cNvPr>
@@ -8588,18 +8591,19 @@
           <a:p>
             <a:fld id="{AA70F276-1833-4A75-9C1D-A56E2295A68D}" type="datetimeFigureOut">
               <a:rPr lang="en-US" smtClean="0"/>
-              <a:t>1/3/2023</a:t>
+              <a:pPr/>
+              <a:t>1/6/2023</a:t>
             </a:fld>
-            <a:endParaRPr lang="en-US"/>
+            <a:endParaRPr lang="en-US" dirty="0"/>
           </a:p>
         </p:txBody>
       </p:sp>
       <p:sp>
         <p:nvSpPr>
-          <p:cNvPr id="8" name="Footer Placeholder 7">
+          <p:cNvPr id="8" name="Espace réservé du pied de page 7">
             <a:extLst>
               <a:ext uri="{FF2B5EF4-FFF2-40B4-BE49-F238E27FC236}">
-                <a16:creationId xmlns:a16="http://schemas.microsoft.com/office/drawing/2014/main" id="{4BC9C6EA-1549-4601-8226-E5C43469CAFE}"/>
+                <a16:creationId xmlns:a16="http://schemas.microsoft.com/office/drawing/2014/main" id="{F0130C28-74BE-9B5A-7A12-8B2307326F0B}"/>
               </a:ext>
             </a:extLst>
           </p:cNvPr>
@@ -8615,16 +8619,20 @@
           <a:bodyPr/>
           <a:lstStyle/>
           <a:p>
-            <a:endParaRPr lang="en-US"/>
+            <a:endParaRPr lang="en-US">
+              <a:solidFill>
+                <a:srgbClr val="FFFFFF"/>
+              </a:solidFill>
+            </a:endParaRPr>
           </a:p>
         </p:txBody>
       </p:sp>
       <p:sp>
         <p:nvSpPr>
-          <p:cNvPr id="9" name="Slide Number Placeholder 8">
+          <p:cNvPr id="9" name="Espace réservé du numéro de diapositive 8">
             <a:extLst>
               <a:ext uri="{FF2B5EF4-FFF2-40B4-BE49-F238E27FC236}">
-                <a16:creationId xmlns:a16="http://schemas.microsoft.com/office/drawing/2014/main" id="{F3658246-003D-4024-9F4B-BA3BD3FBFFBC}"/>
+                <a16:creationId xmlns:a16="http://schemas.microsoft.com/office/drawing/2014/main" id="{7DDB3BA3-F6C1-FB85-3328-920BA7E38227}"/>
               </a:ext>
             </a:extLst>
           </p:cNvPr>
@@ -8642,6 +8650,7 @@
           <a:p>
             <a:fld id="{28844951-7827-47D4-8276-7DDE1FA7D85A}" type="slidenum">
               <a:rPr lang="en-US" smtClean="0"/>
+              <a:pPr/>
               <a:t>‹N°›</a:t>
             </a:fld>
             <a:endParaRPr lang="en-US"/>
@@ -8651,7 +8660,7 @@
     </p:spTree>
     <p:extLst>
       <p:ext uri="{BB962C8B-B14F-4D97-AF65-F5344CB8AC3E}">
-        <p14:creationId xmlns:p14="http://schemas.microsoft.com/office/powerpoint/2010/main" val="2198719095"/>
+        <p14:creationId xmlns:p14="http://schemas.microsoft.com/office/powerpoint/2010/main" val="3593508643"/>
       </p:ext>
     </p:extLst>
   </p:cSld>
@@ -8663,7 +8672,7 @@
 
 <file path=ppt/slideLayouts/slideLayout6.xml><?xml version="1.0" encoding="utf-8"?>
 <p:sldLayout xmlns:a="http://schemas.openxmlformats.org/drawingml/2006/main" xmlns:r="http://schemas.openxmlformats.org/officeDocument/2006/relationships" xmlns:p="http://schemas.openxmlformats.org/presentationml/2006/main" type="titleOnly" preserve="1">
-  <p:cSld name="Title Only">
+  <p:cSld name="Titre seul">
     <p:spTree>
       <p:nvGrpSpPr>
         <p:cNvPr id="1" name=""/>
@@ -8680,10 +8689,10 @@
       </p:grpSpPr>
       <p:sp>
         <p:nvSpPr>
-          <p:cNvPr id="2" name="Title 1">
+          <p:cNvPr id="2" name="Titre 1">
             <a:extLst>
               <a:ext uri="{FF2B5EF4-FFF2-40B4-BE49-F238E27FC236}">
-                <a16:creationId xmlns:a16="http://schemas.microsoft.com/office/drawing/2014/main" id="{1FB2DD4C-BFBC-4087-B94C-4DD0690E838E}"/>
+                <a16:creationId xmlns:a16="http://schemas.microsoft.com/office/drawing/2014/main" id="{3812399C-8F40-077A-CB47-78F541B4726C}"/>
               </a:ext>
             </a:extLst>
           </p:cNvPr>
@@ -8700,18 +8709,18 @@
           <a:lstStyle/>
           <a:p>
             <a:r>
-              <a:rPr lang="en-US"/>
-              <a:t>Click to edit Master title style</a:t>
+              <a:rPr lang="fr-FR"/>
+              <a:t>Modifiez le style du titre</a:t>
             </a:r>
           </a:p>
         </p:txBody>
       </p:sp>
       <p:sp>
         <p:nvSpPr>
-          <p:cNvPr id="3" name="Date Placeholder 2">
+          <p:cNvPr id="3" name="Espace réservé de la date 2">
             <a:extLst>
               <a:ext uri="{FF2B5EF4-FFF2-40B4-BE49-F238E27FC236}">
-                <a16:creationId xmlns:a16="http://schemas.microsoft.com/office/drawing/2014/main" id="{BEB9D434-8228-4C7F-B520-14121EBC903B}"/>
+                <a16:creationId xmlns:a16="http://schemas.microsoft.com/office/drawing/2014/main" id="{5E9CCBAC-E4FB-0A5B-FE3F-87D291CEDCE8}"/>
               </a:ext>
             </a:extLst>
           </p:cNvPr>
@@ -8729,18 +8738,19 @@
           <a:p>
             <a:fld id="{AA70F276-1833-4A75-9C1D-A56E2295A68D}" type="datetimeFigureOut">
               <a:rPr lang="en-US" smtClean="0"/>
-              <a:t>1/3/2023</a:t>
+              <a:pPr/>
+              <a:t>1/6/2023</a:t>
             </a:fld>
-            <a:endParaRPr lang="en-US"/>
+            <a:endParaRPr lang="en-US" dirty="0"/>
           </a:p>
         </p:txBody>
       </p:sp>
       <p:sp>
         <p:nvSpPr>
-          <p:cNvPr id="4" name="Footer Placeholder 3">
+          <p:cNvPr id="4" name="Espace réservé du pied de page 3">
             <a:extLst>
               <a:ext uri="{FF2B5EF4-FFF2-40B4-BE49-F238E27FC236}">
-                <a16:creationId xmlns:a16="http://schemas.microsoft.com/office/drawing/2014/main" id="{997B89BD-A70A-48D2-A3D9-DB2C0DB123B4}"/>
+                <a16:creationId xmlns:a16="http://schemas.microsoft.com/office/drawing/2014/main" id="{36922130-E91D-2756-2634-236019F86DED}"/>
               </a:ext>
             </a:extLst>
           </p:cNvPr>
@@ -8756,16 +8766,20 @@
           <a:bodyPr/>
           <a:lstStyle/>
           <a:p>
-            <a:endParaRPr lang="en-US"/>
+            <a:endParaRPr lang="en-US">
+              <a:solidFill>
+                <a:srgbClr val="FFFFFF"/>
+              </a:solidFill>
+            </a:endParaRPr>
           </a:p>
         </p:txBody>
       </p:sp>
       <p:sp>
         <p:nvSpPr>
-          <p:cNvPr id="5" name="Slide Number Placeholder 4">
+          <p:cNvPr id="5" name="Espace réservé du numéro de diapositive 4">
             <a:extLst>
               <a:ext uri="{FF2B5EF4-FFF2-40B4-BE49-F238E27FC236}">
-                <a16:creationId xmlns:a16="http://schemas.microsoft.com/office/drawing/2014/main" id="{B4ACF4EF-5A2A-4A47-81DF-80CB513060F6}"/>
+                <a16:creationId xmlns:a16="http://schemas.microsoft.com/office/drawing/2014/main" id="{EDABC43B-7943-411C-C932-8A7E315993AF}"/>
               </a:ext>
             </a:extLst>
           </p:cNvPr>
@@ -8783,6 +8797,7 @@
           <a:p>
             <a:fld id="{28844951-7827-47D4-8276-7DDE1FA7D85A}" type="slidenum">
               <a:rPr lang="en-US" smtClean="0"/>
+              <a:pPr/>
               <a:t>‹N°›</a:t>
             </a:fld>
             <a:endParaRPr lang="en-US"/>
@@ -8792,7 +8807,7 @@
     </p:spTree>
     <p:extLst>
       <p:ext uri="{BB962C8B-B14F-4D97-AF65-F5344CB8AC3E}">
-        <p14:creationId xmlns:p14="http://schemas.microsoft.com/office/powerpoint/2010/main" val="1604200617"/>
+        <p14:creationId xmlns:p14="http://schemas.microsoft.com/office/powerpoint/2010/main" val="3027716190"/>
       </p:ext>
     </p:extLst>
   </p:cSld>
@@ -8804,7 +8819,7 @@
 
 <file path=ppt/slideLayouts/slideLayout7.xml><?xml version="1.0" encoding="utf-8"?>
 <p:sldLayout xmlns:a="http://schemas.openxmlformats.org/drawingml/2006/main" xmlns:r="http://schemas.openxmlformats.org/officeDocument/2006/relationships" xmlns:p="http://schemas.openxmlformats.org/presentationml/2006/main" type="blank" preserve="1">
-  <p:cSld name="Blank">
+  <p:cSld name="Vide">
     <p:spTree>
       <p:nvGrpSpPr>
         <p:cNvPr id="1" name=""/>
@@ -8821,10 +8836,10 @@
       </p:grpSpPr>
       <p:sp>
         <p:nvSpPr>
-          <p:cNvPr id="2" name="Date Placeholder 1">
+          <p:cNvPr id="2" name="Espace réservé de la date 1">
             <a:extLst>
               <a:ext uri="{FF2B5EF4-FFF2-40B4-BE49-F238E27FC236}">
-                <a16:creationId xmlns:a16="http://schemas.microsoft.com/office/drawing/2014/main" id="{118B9F00-8450-475B-B155-993BAF212AF6}"/>
+                <a16:creationId xmlns:a16="http://schemas.microsoft.com/office/drawing/2014/main" id="{BCAFD6C6-DE23-09C2-C591-16A8754435A4}"/>
               </a:ext>
             </a:extLst>
           </p:cNvPr>
@@ -8842,18 +8857,19 @@
           <a:p>
             <a:fld id="{AA70F276-1833-4A75-9C1D-A56E2295A68D}" type="datetimeFigureOut">
               <a:rPr lang="en-US" smtClean="0"/>
-              <a:t>1/3/2023</a:t>
+              <a:pPr/>
+              <a:t>1/6/2023</a:t>
             </a:fld>
-            <a:endParaRPr lang="en-US"/>
+            <a:endParaRPr lang="en-US" dirty="0"/>
           </a:p>
         </p:txBody>
       </p:sp>
       <p:sp>
         <p:nvSpPr>
-          <p:cNvPr id="3" name="Footer Placeholder 2">
+          <p:cNvPr id="3" name="Espace réservé du pied de page 2">
             <a:extLst>
               <a:ext uri="{FF2B5EF4-FFF2-40B4-BE49-F238E27FC236}">
-                <a16:creationId xmlns:a16="http://schemas.microsoft.com/office/drawing/2014/main" id="{5C0FDDA3-8E6F-42F7-BFBE-7FA9C647CA4E}"/>
+                <a16:creationId xmlns:a16="http://schemas.microsoft.com/office/drawing/2014/main" id="{E04B07D6-1B46-DDBD-F5E9-E81A1117DD8D}"/>
               </a:ext>
             </a:extLst>
           </p:cNvPr>
@@ -8869,16 +8885,20 @@
           <a:bodyPr/>
           <a:lstStyle/>
           <a:p>
-            <a:endParaRPr lang="en-US"/>
+            <a:endParaRPr lang="en-US">
+              <a:solidFill>
+                <a:srgbClr val="FFFFFF"/>
+              </a:solidFill>
+            </a:endParaRPr>
           </a:p>
         </p:txBody>
       </p:sp>
       <p:sp>
         <p:nvSpPr>
-          <p:cNvPr id="4" name="Slide Number Placeholder 3">
+          <p:cNvPr id="4" name="Espace réservé du numéro de diapositive 3">
             <a:extLst>
               <a:ext uri="{FF2B5EF4-FFF2-40B4-BE49-F238E27FC236}">
-                <a16:creationId xmlns:a16="http://schemas.microsoft.com/office/drawing/2014/main" id="{B6C8E678-81B8-4356-9624-A0B999536312}"/>
+                <a16:creationId xmlns:a16="http://schemas.microsoft.com/office/drawing/2014/main" id="{FA312956-5BB1-315D-8D93-552E217A844E}"/>
               </a:ext>
             </a:extLst>
           </p:cNvPr>
@@ -8896,6 +8916,7 @@
           <a:p>
             <a:fld id="{28844951-7827-47D4-8276-7DDE1FA7D85A}" type="slidenum">
               <a:rPr lang="en-US" smtClean="0"/>
+              <a:pPr/>
               <a:t>‹N°›</a:t>
             </a:fld>
             <a:endParaRPr lang="en-US"/>
@@ -8905,7 +8926,7 @@
     </p:spTree>
     <p:extLst>
       <p:ext uri="{BB962C8B-B14F-4D97-AF65-F5344CB8AC3E}">
-        <p14:creationId xmlns:p14="http://schemas.microsoft.com/office/powerpoint/2010/main" val="2165042698"/>
+        <p14:creationId xmlns:p14="http://schemas.microsoft.com/office/powerpoint/2010/main" val="3775153690"/>
       </p:ext>
     </p:extLst>
   </p:cSld>
@@ -8917,7 +8938,7 @@
 
 <file path=ppt/slideLayouts/slideLayout8.xml><?xml version="1.0" encoding="utf-8"?>
 <p:sldLayout xmlns:a="http://schemas.openxmlformats.org/drawingml/2006/main" xmlns:r="http://schemas.openxmlformats.org/officeDocument/2006/relationships" xmlns:p="http://schemas.openxmlformats.org/presentationml/2006/main" type="objTx" preserve="1">
-  <p:cSld name="Content with Caption">
+  <p:cSld name="Contenu avec légende">
     <p:spTree>
       <p:nvGrpSpPr>
         <p:cNvPr id="1" name=""/>
@@ -8934,10 +8955,10 @@
       </p:grpSpPr>
       <p:sp>
         <p:nvSpPr>
-          <p:cNvPr id="2" name="Title 1">
+          <p:cNvPr id="2" name="Titre 1">
             <a:extLst>
               <a:ext uri="{FF2B5EF4-FFF2-40B4-BE49-F238E27FC236}">
-                <a16:creationId xmlns:a16="http://schemas.microsoft.com/office/drawing/2014/main" id="{B6010DAA-DDE3-4C9C-8171-385A3DAC81CF}"/>
+                <a16:creationId xmlns:a16="http://schemas.microsoft.com/office/drawing/2014/main" id="{0D5A5E81-4596-F62E-506A-88AECA8FDAFB}"/>
               </a:ext>
             </a:extLst>
           </p:cNvPr>
@@ -8950,8 +8971,8 @@
         </p:nvSpPr>
         <p:spPr>
           <a:xfrm>
-            <a:off x="839788" y="685800"/>
-            <a:ext cx="3932237" cy="1371600"/>
+            <a:off x="839788" y="457200"/>
+            <a:ext cx="3932237" cy="1600200"/>
           </a:xfrm>
         </p:spPr>
         <p:txBody>
@@ -8963,18 +8984,18 @@
           </a:lstStyle>
           <a:p>
             <a:r>
-              <a:rPr lang="en-US" dirty="0"/>
-              <a:t>Click to edit Master title style</a:t>
+              <a:rPr lang="fr-FR"/>
+              <a:t>Modifiez le style du titre</a:t>
             </a:r>
           </a:p>
         </p:txBody>
       </p:sp>
       <p:sp>
         <p:nvSpPr>
-          <p:cNvPr id="3" name="Content Placeholder 2">
+          <p:cNvPr id="3" name="Espace réservé du contenu 2">
             <a:extLst>
               <a:ext uri="{FF2B5EF4-FFF2-40B4-BE49-F238E27FC236}">
-                <a16:creationId xmlns:a16="http://schemas.microsoft.com/office/drawing/2014/main" id="{AAF73DB2-BD72-4F5E-9CA2-197343A0908A}"/>
+                <a16:creationId xmlns:a16="http://schemas.microsoft.com/office/drawing/2014/main" id="{AA2404D2-9B62-0006-A2D9-ADF833C16B15}"/>
               </a:ext>
             </a:extLst>
           </p:cNvPr>
@@ -8987,8 +9008,8 @@
         </p:nvSpPr>
         <p:spPr>
           <a:xfrm>
-            <a:off x="5183188" y="685801"/>
-            <a:ext cx="6172200" cy="5175250"/>
+            <a:off x="5183188" y="987425"/>
+            <a:ext cx="6172200" cy="4873625"/>
           </a:xfrm>
         </p:spPr>
         <p:txBody>
@@ -9025,46 +9046,46 @@
           <a:p>
             <a:pPr lvl="0"/>
             <a:r>
-              <a:rPr lang="en-US" dirty="0"/>
-              <a:t>Click to edit Master text styles</a:t>
+              <a:rPr lang="fr-FR"/>
+              <a:t>Cliquez pour modifier les styles du texte du masque</a:t>
             </a:r>
           </a:p>
           <a:p>
             <a:pPr lvl="1"/>
             <a:r>
-              <a:rPr lang="en-US" dirty="0"/>
-              <a:t>Second level</a:t>
+              <a:rPr lang="fr-FR"/>
+              <a:t>Deuxième niveau</a:t>
             </a:r>
           </a:p>
           <a:p>
             <a:pPr lvl="2"/>
             <a:r>
-              <a:rPr lang="en-US" dirty="0"/>
-              <a:t>Third level</a:t>
+              <a:rPr lang="fr-FR"/>
+              <a:t>Troisième niveau</a:t>
             </a:r>
           </a:p>
           <a:p>
             <a:pPr lvl="3"/>
             <a:r>
-              <a:rPr lang="en-US" dirty="0"/>
-              <a:t>Fourth level</a:t>
+              <a:rPr lang="fr-FR"/>
+              <a:t>Quatrième niveau</a:t>
             </a:r>
           </a:p>
           <a:p>
             <a:pPr lvl="4"/>
             <a:r>
-              <a:rPr lang="en-US" dirty="0"/>
-              <a:t>Fifth level</a:t>
+              <a:rPr lang="fr-FR"/>
+              <a:t>Cinquième niveau</a:t>
             </a:r>
           </a:p>
         </p:txBody>
       </p:sp>
       <p:sp>
         <p:nvSpPr>
-          <p:cNvPr id="4" name="Text Placeholder 3">
+          <p:cNvPr id="4" name="Espace réservé du texte 3">
             <a:extLst>
               <a:ext uri="{FF2B5EF4-FFF2-40B4-BE49-F238E27FC236}">
-                <a16:creationId xmlns:a16="http://schemas.microsoft.com/office/drawing/2014/main" id="{71F01536-2B0A-42A2-827E-2EB2C324A5FE}"/>
+                <a16:creationId xmlns:a16="http://schemas.microsoft.com/office/drawing/2014/main" id="{0DB36CAE-87CB-6C5D-FD3B-ED0B7F239CF7}"/>
               </a:ext>
             </a:extLst>
           </p:cNvPr>
@@ -9077,8 +9098,8 @@
         </p:nvSpPr>
         <p:spPr>
           <a:xfrm>
-            <a:off x="839788" y="2209800"/>
-            <a:ext cx="3932237" cy="3659188"/>
+            <a:off x="839788" y="2057400"/>
+            <a:ext cx="3932237" cy="3811588"/>
           </a:xfrm>
         </p:spPr>
         <p:txBody>
@@ -9124,18 +9145,18 @@
           <a:p>
             <a:pPr lvl="0"/>
             <a:r>
-              <a:rPr lang="en-US" dirty="0"/>
-              <a:t>Click to edit Master text styles</a:t>
+              <a:rPr lang="fr-FR"/>
+              <a:t>Cliquez pour modifier les styles du texte du masque</a:t>
             </a:r>
           </a:p>
         </p:txBody>
       </p:sp>
       <p:sp>
         <p:nvSpPr>
-          <p:cNvPr id="5" name="Date Placeholder 4">
+          <p:cNvPr id="5" name="Espace réservé de la date 4">
             <a:extLst>
               <a:ext uri="{FF2B5EF4-FFF2-40B4-BE49-F238E27FC236}">
-                <a16:creationId xmlns:a16="http://schemas.microsoft.com/office/drawing/2014/main" id="{1722CD09-61EF-4733-831C-5B133DAE1F4C}"/>
+                <a16:creationId xmlns:a16="http://schemas.microsoft.com/office/drawing/2014/main" id="{CD71FE7F-AF9B-DCA2-03D1-BC62C829FAE7}"/>
               </a:ext>
             </a:extLst>
           </p:cNvPr>
@@ -9153,18 +9174,19 @@
           <a:p>
             <a:fld id="{AA70F276-1833-4A75-9C1D-A56E2295A68D}" type="datetimeFigureOut">
               <a:rPr lang="en-US" smtClean="0"/>
-              <a:t>1/3/2023</a:t>
+              <a:pPr/>
+              <a:t>1/6/2023</a:t>
             </a:fld>
-            <a:endParaRPr lang="en-US"/>
+            <a:endParaRPr lang="en-US" dirty="0"/>
           </a:p>
         </p:txBody>
       </p:sp>
       <p:sp>
         <p:nvSpPr>
-          <p:cNvPr id="6" name="Footer Placeholder 5">
+          <p:cNvPr id="6" name="Espace réservé du pied de page 5">
             <a:extLst>
               <a:ext uri="{FF2B5EF4-FFF2-40B4-BE49-F238E27FC236}">
-                <a16:creationId xmlns:a16="http://schemas.microsoft.com/office/drawing/2014/main" id="{5B109FCF-96E4-4EBF-AAFB-5E9AD22A68AE}"/>
+                <a16:creationId xmlns:a16="http://schemas.microsoft.com/office/drawing/2014/main" id="{39248D44-6237-F8DE-5E68-EC976E59DFD5}"/>
               </a:ext>
             </a:extLst>
           </p:cNvPr>
@@ -9180,16 +9202,20 @@
           <a:bodyPr/>
           <a:lstStyle/>
           <a:p>
-            <a:endParaRPr lang="en-US"/>
+            <a:endParaRPr lang="en-US">
+              <a:solidFill>
+                <a:srgbClr val="FFFFFF"/>
+              </a:solidFill>
+            </a:endParaRPr>
           </a:p>
         </p:txBody>
       </p:sp>
       <p:sp>
         <p:nvSpPr>
-          <p:cNvPr id="7" name="Slide Number Placeholder 6">
+          <p:cNvPr id="7" name="Espace réservé du numéro de diapositive 6">
             <a:extLst>
               <a:ext uri="{FF2B5EF4-FFF2-40B4-BE49-F238E27FC236}">
-                <a16:creationId xmlns:a16="http://schemas.microsoft.com/office/drawing/2014/main" id="{79E381A6-E580-49A4-989C-EF4A54F83B45}"/>
+                <a16:creationId xmlns:a16="http://schemas.microsoft.com/office/drawing/2014/main" id="{27B02DA0-A11A-4249-744F-6ACD25F6C75D}"/>
               </a:ext>
             </a:extLst>
           </p:cNvPr>
@@ -9207,6 +9233,7 @@
           <a:p>
             <a:fld id="{28844951-7827-47D4-8276-7DDE1FA7D85A}" type="slidenum">
               <a:rPr lang="en-US" smtClean="0"/>
+              <a:pPr/>
               <a:t>‹N°›</a:t>
             </a:fld>
             <a:endParaRPr lang="en-US"/>
@@ -9216,7 +9243,7 @@
     </p:spTree>
     <p:extLst>
       <p:ext uri="{BB962C8B-B14F-4D97-AF65-F5344CB8AC3E}">
-        <p14:creationId xmlns:p14="http://schemas.microsoft.com/office/powerpoint/2010/main" val="3495527828"/>
+        <p14:creationId xmlns:p14="http://schemas.microsoft.com/office/powerpoint/2010/main" val="1924563705"/>
       </p:ext>
     </p:extLst>
   </p:cSld>
@@ -9228,7 +9255,7 @@
 
 <file path=ppt/slideLayouts/slideLayout9.xml><?xml version="1.0" encoding="utf-8"?>
 <p:sldLayout xmlns:a="http://schemas.openxmlformats.org/drawingml/2006/main" xmlns:r="http://schemas.openxmlformats.org/officeDocument/2006/relationships" xmlns:p="http://schemas.openxmlformats.org/presentationml/2006/main" type="picTx" preserve="1">
-  <p:cSld name="Picture with Caption">
+  <p:cSld name="Image avec légende">
     <p:spTree>
       <p:nvGrpSpPr>
         <p:cNvPr id="1" name=""/>
@@ -9245,10 +9272,10 @@
       </p:grpSpPr>
       <p:sp>
         <p:nvSpPr>
-          <p:cNvPr id="2" name="Title 1">
+          <p:cNvPr id="2" name="Titre 1">
             <a:extLst>
               <a:ext uri="{FF2B5EF4-FFF2-40B4-BE49-F238E27FC236}">
-                <a16:creationId xmlns:a16="http://schemas.microsoft.com/office/drawing/2014/main" id="{EBCCFA6E-F719-4613-8815-591471E722E5}"/>
+                <a16:creationId xmlns:a16="http://schemas.microsoft.com/office/drawing/2014/main" id="{218A30C2-4CE0-7380-1A2C-487071F77882}"/>
               </a:ext>
             </a:extLst>
           </p:cNvPr>
@@ -9261,8 +9288,8 @@
         </p:nvSpPr>
         <p:spPr>
           <a:xfrm>
-            <a:off x="839788" y="685800"/>
-            <a:ext cx="3932237" cy="1371600"/>
+            <a:off x="839788" y="457200"/>
+            <a:ext cx="3932237" cy="1600200"/>
           </a:xfrm>
         </p:spPr>
         <p:txBody>
@@ -9274,18 +9301,18 @@
           </a:lstStyle>
           <a:p>
             <a:r>
-              <a:rPr lang="en-US" dirty="0"/>
-              <a:t>Click to edit Master title style</a:t>
+              <a:rPr lang="fr-FR"/>
+              <a:t>Modifiez le style du titre</a:t>
             </a:r>
           </a:p>
         </p:txBody>
       </p:sp>
       <p:sp>
         <p:nvSpPr>
-          <p:cNvPr id="3" name="Picture Placeholder 2">
+          <p:cNvPr id="3" name="Espace réservé pour une image  2">
             <a:extLst>
               <a:ext uri="{FF2B5EF4-FFF2-40B4-BE49-F238E27FC236}">
-                <a16:creationId xmlns:a16="http://schemas.microsoft.com/office/drawing/2014/main" id="{654384F3-CDE0-4329-B76D-45AAC94B04A8}"/>
+                <a16:creationId xmlns:a16="http://schemas.microsoft.com/office/drawing/2014/main" id="{93059627-371E-17F3-4A5B-1FEC9B9DB1FF}"/>
               </a:ext>
             </a:extLst>
           </p:cNvPr>
@@ -9298,8 +9325,8 @@
         </p:nvSpPr>
         <p:spPr>
           <a:xfrm>
-            <a:off x="5183188" y="685801"/>
-            <a:ext cx="6172200" cy="5175250"/>
+            <a:off x="5183188" y="987425"/>
+            <a:ext cx="6172200" cy="4873625"/>
           </a:xfrm>
         </p:spPr>
         <p:txBody>
@@ -9343,19 +9370,16 @@
             </a:lvl9pPr>
           </a:lstStyle>
           <a:p>
-            <a:r>
-              <a:rPr lang="en-US"/>
-              <a:t>Click icon to add picture</a:t>
-            </a:r>
+            <a:endParaRPr lang="fr-FR"/>
           </a:p>
         </p:txBody>
       </p:sp>
       <p:sp>
         <p:nvSpPr>
-          <p:cNvPr id="4" name="Text Placeholder 3">
+          <p:cNvPr id="4" name="Espace réservé du texte 3">
             <a:extLst>
               <a:ext uri="{FF2B5EF4-FFF2-40B4-BE49-F238E27FC236}">
-                <a16:creationId xmlns:a16="http://schemas.microsoft.com/office/drawing/2014/main" id="{79A9D7EB-40DA-460F-A48A-3E6D5E5612E7}"/>
+                <a16:creationId xmlns:a16="http://schemas.microsoft.com/office/drawing/2014/main" id="{4018377C-4ACB-2431-9A47-FC80DD919587}"/>
               </a:ext>
             </a:extLst>
           </p:cNvPr>
@@ -9368,8 +9392,8 @@
         </p:nvSpPr>
         <p:spPr>
           <a:xfrm>
-            <a:off x="839788" y="2209800"/>
-            <a:ext cx="3932237" cy="3659188"/>
+            <a:off x="839788" y="2057400"/>
+            <a:ext cx="3932237" cy="3811588"/>
           </a:xfrm>
         </p:spPr>
         <p:txBody>
@@ -9415,18 +9439,18 @@
           <a:p>
             <a:pPr lvl="0"/>
             <a:r>
-              <a:rPr lang="en-US" dirty="0"/>
-              <a:t>Click to edit Master text styles</a:t>
+              <a:rPr lang="fr-FR"/>
+              <a:t>Cliquez pour modifier les styles du texte du masque</a:t>
             </a:r>
           </a:p>
         </p:txBody>
       </p:sp>
       <p:sp>
         <p:nvSpPr>
-          <p:cNvPr id="5" name="Date Placeholder 4">
+          <p:cNvPr id="5" name="Espace réservé de la date 4">
             <a:extLst>
               <a:ext uri="{FF2B5EF4-FFF2-40B4-BE49-F238E27FC236}">
-                <a16:creationId xmlns:a16="http://schemas.microsoft.com/office/drawing/2014/main" id="{1E56944C-E229-457E-868E-C48FF47DA37A}"/>
+                <a16:creationId xmlns:a16="http://schemas.microsoft.com/office/drawing/2014/main" id="{08E0C573-375A-998C-FB23-617E4F2C9C7F}"/>
               </a:ext>
             </a:extLst>
           </p:cNvPr>
@@ -9444,18 +9468,19 @@
           <a:p>
             <a:fld id="{AA70F276-1833-4A75-9C1D-A56E2295A68D}" type="datetimeFigureOut">
               <a:rPr lang="en-US" smtClean="0"/>
-              <a:t>1/3/2023</a:t>
+              <a:pPr/>
+              <a:t>1/6/2023</a:t>
             </a:fld>
-            <a:endParaRPr lang="en-US"/>
+            <a:endParaRPr lang="en-US" dirty="0"/>
           </a:p>
         </p:txBody>
       </p:sp>
       <p:sp>
         <p:nvSpPr>
-          <p:cNvPr id="6" name="Footer Placeholder 5">
+          <p:cNvPr id="6" name="Espace réservé du pied de page 5">
             <a:extLst>
               <a:ext uri="{FF2B5EF4-FFF2-40B4-BE49-F238E27FC236}">
-                <a16:creationId xmlns:a16="http://schemas.microsoft.com/office/drawing/2014/main" id="{CC7115FE-359F-46EA-A3C8-0D18544E34AD}"/>
+                <a16:creationId xmlns:a16="http://schemas.microsoft.com/office/drawing/2014/main" id="{DD12E6B5-59EC-A48C-C9C5-48310876DDAC}"/>
               </a:ext>
             </a:extLst>
           </p:cNvPr>
@@ -9471,16 +9496,20 @@
           <a:bodyPr/>
           <a:lstStyle/>
           <a:p>
-            <a:endParaRPr lang="en-US"/>
+            <a:endParaRPr lang="en-US">
+              <a:solidFill>
+                <a:srgbClr val="FFFFFF"/>
+              </a:solidFill>
+            </a:endParaRPr>
           </a:p>
         </p:txBody>
       </p:sp>
       <p:sp>
         <p:nvSpPr>
-          <p:cNvPr id="7" name="Slide Number Placeholder 6">
+          <p:cNvPr id="7" name="Espace réservé du numéro de diapositive 6">
             <a:extLst>
               <a:ext uri="{FF2B5EF4-FFF2-40B4-BE49-F238E27FC236}">
-                <a16:creationId xmlns:a16="http://schemas.microsoft.com/office/drawing/2014/main" id="{B5165D17-3010-4FF5-9071-5CCD3E6995D6}"/>
+                <a16:creationId xmlns:a16="http://schemas.microsoft.com/office/drawing/2014/main" id="{4B666E57-832E-B4B9-4FD9-F7D08E5A3389}"/>
               </a:ext>
             </a:extLst>
           </p:cNvPr>
@@ -9498,6 +9527,7 @@
           <a:p>
             <a:fld id="{28844951-7827-47D4-8276-7DDE1FA7D85A}" type="slidenum">
               <a:rPr lang="en-US" smtClean="0"/>
+              <a:pPr/>
               <a:t>‹N°›</a:t>
             </a:fld>
             <a:endParaRPr lang="en-US"/>
@@ -9507,7 +9537,7 @@
     </p:spTree>
     <p:extLst>
       <p:ext uri="{BB962C8B-B14F-4D97-AF65-F5344CB8AC3E}">
-        <p14:creationId xmlns:p14="http://schemas.microsoft.com/office/powerpoint/2010/main" val="692008377"/>
+        <p14:creationId xmlns:p14="http://schemas.microsoft.com/office/powerpoint/2010/main" val="539488645"/>
       </p:ext>
     </p:extLst>
   </p:cSld>
@@ -9541,77 +9571,10 @@
       </p:grpSpPr>
       <p:sp>
         <p:nvSpPr>
-          <p:cNvPr id="8" name="Frame 7">
+          <p:cNvPr id="2" name="Espace réservé du titre 1">
             <a:extLst>
               <a:ext uri="{FF2B5EF4-FFF2-40B4-BE49-F238E27FC236}">
-                <a16:creationId xmlns:a16="http://schemas.microsoft.com/office/drawing/2014/main" id="{DD7EAFE6-2BB9-41FB-9CF4-588CFC708774}"/>
-              </a:ext>
-            </a:extLst>
-          </p:cNvPr>
-          <p:cNvSpPr/>
-          <p:nvPr/>
-        </p:nvSpPr>
-        <p:spPr>
-          <a:xfrm>
-            <a:off x="0" y="0"/>
-            <a:ext cx="12188952" cy="6858000"/>
-          </a:xfrm>
-          <a:prstGeom prst="frame">
-            <a:avLst>
-              <a:gd name="adj1" fmla="val 7164"/>
-            </a:avLst>
-          </a:prstGeom>
-          <a:gradFill flip="none" rotWithShape="1">
-            <a:gsLst>
-              <a:gs pos="0">
-                <a:schemeClr val="accent2">
-                  <a:alpha val="40000"/>
-                </a:schemeClr>
-              </a:gs>
-              <a:gs pos="100000">
-                <a:schemeClr val="accent1">
-                  <a:alpha val="40000"/>
-                </a:schemeClr>
-              </a:gs>
-            </a:gsLst>
-            <a:lin ang="2700000" scaled="1"/>
-            <a:tileRect/>
-          </a:gradFill>
-          <a:ln>
-            <a:noFill/>
-          </a:ln>
-        </p:spPr>
-        <p:style>
-          <a:lnRef idx="2">
-            <a:schemeClr val="accent1">
-              <a:shade val="50000"/>
-            </a:schemeClr>
-          </a:lnRef>
-          <a:fillRef idx="1">
-            <a:schemeClr val="accent1"/>
-          </a:fillRef>
-          <a:effectRef idx="0">
-            <a:schemeClr val="accent1"/>
-          </a:effectRef>
-          <a:fontRef idx="minor">
-            <a:schemeClr val="lt1"/>
-          </a:fontRef>
-        </p:style>
-        <p:txBody>
-          <a:bodyPr rtlCol="0" anchor="ctr"/>
-          <a:lstStyle/>
-          <a:p>
-            <a:pPr algn="ctr"/>
-            <a:endParaRPr lang="en-US"/>
-          </a:p>
-        </p:txBody>
-      </p:sp>
-      <p:sp>
-        <p:nvSpPr>
-          <p:cNvPr id="2" name="Title Placeholder 1">
-            <a:extLst>
-              <a:ext uri="{FF2B5EF4-FFF2-40B4-BE49-F238E27FC236}">
-                <a16:creationId xmlns:a16="http://schemas.microsoft.com/office/drawing/2014/main" id="{41447F1F-BFA8-4A56-894B-40120132EE48}"/>
+                <a16:creationId xmlns:a16="http://schemas.microsoft.com/office/drawing/2014/main" id="{98A92EE5-3608-2C7B-12F8-1DDD056613BE}"/>
               </a:ext>
             </a:extLst>
           </p:cNvPr>
@@ -9624,7 +9587,7 @@
         </p:nvSpPr>
         <p:spPr>
           <a:xfrm>
-            <a:off x="838200" y="681037"/>
+            <a:off x="838200" y="365125"/>
             <a:ext cx="10515600" cy="1325563"/>
           </a:xfrm>
           <a:prstGeom prst="rect">
@@ -9638,19 +9601,18 @@
           <a:lstStyle/>
           <a:p>
             <a:r>
-              <a:rPr lang="en-US"/>
-              <a:t>Click to edit Master title style</a:t>
-            </a:r>
-            <a:endParaRPr lang="en-US" dirty="0"/>
+              <a:rPr lang="fr-FR"/>
+              <a:t>Modifiez le style du titre</a:t>
+            </a:r>
           </a:p>
         </p:txBody>
       </p:sp>
       <p:sp>
         <p:nvSpPr>
-          <p:cNvPr id="3" name="Text Placeholder 2">
+          <p:cNvPr id="3" name="Espace réservé du texte 2">
             <a:extLst>
               <a:ext uri="{FF2B5EF4-FFF2-40B4-BE49-F238E27FC236}">
-                <a16:creationId xmlns:a16="http://schemas.microsoft.com/office/drawing/2014/main" id="{2658FB99-0FA3-49F4-99A1-61919F942794}"/>
+                <a16:creationId xmlns:a16="http://schemas.microsoft.com/office/drawing/2014/main" id="{7B0CAD12-180D-949F-9989-42F5BFB77091}"/>
               </a:ext>
             </a:extLst>
           </p:cNvPr>
@@ -9663,8 +9625,8 @@
         </p:nvSpPr>
         <p:spPr>
           <a:xfrm>
-            <a:off x="838200" y="2178657"/>
-            <a:ext cx="10515600" cy="3998306"/>
+            <a:off x="838200" y="1825625"/>
+            <a:ext cx="10515600" cy="4351338"/>
           </a:xfrm>
           <a:prstGeom prst="rect">
             <a:avLst/>
@@ -9678,46 +9640,46 @@
           <a:p>
             <a:pPr lvl="0"/>
             <a:r>
-              <a:rPr lang="en-US" dirty="0"/>
-              <a:t>Click to edit Master text styles</a:t>
+              <a:rPr lang="fr-FR"/>
+              <a:t>Cliquez pour modifier les styles du texte du masque</a:t>
             </a:r>
           </a:p>
           <a:p>
             <a:pPr lvl="1"/>
             <a:r>
-              <a:rPr lang="en-US" dirty="0"/>
-              <a:t>Second level</a:t>
+              <a:rPr lang="fr-FR"/>
+              <a:t>Deuxième niveau</a:t>
             </a:r>
           </a:p>
           <a:p>
             <a:pPr lvl="2"/>
             <a:r>
-              <a:rPr lang="en-US" dirty="0"/>
-              <a:t>Third level</a:t>
+              <a:rPr lang="fr-FR"/>
+              <a:t>Troisième niveau</a:t>
             </a:r>
           </a:p>
           <a:p>
             <a:pPr lvl="3"/>
             <a:r>
-              <a:rPr lang="en-US" dirty="0"/>
-              <a:t>Fourth level</a:t>
+              <a:rPr lang="fr-FR"/>
+              <a:t>Quatrième niveau</a:t>
             </a:r>
           </a:p>
           <a:p>
             <a:pPr lvl="4"/>
             <a:r>
-              <a:rPr lang="en-US" dirty="0"/>
-              <a:t>Fifth level</a:t>
+              <a:rPr lang="fr-FR"/>
+              <a:t>Cinquième niveau</a:t>
             </a:r>
           </a:p>
         </p:txBody>
       </p:sp>
       <p:sp>
         <p:nvSpPr>
-          <p:cNvPr id="4" name="Date Placeholder 3">
+          <p:cNvPr id="4" name="Espace réservé de la date 3">
             <a:extLst>
               <a:ext uri="{FF2B5EF4-FFF2-40B4-BE49-F238E27FC236}">
-                <a16:creationId xmlns:a16="http://schemas.microsoft.com/office/drawing/2014/main" id="{4CDCCAE5-4EB0-4174-BD15-4943899B0A29}"/>
+                <a16:creationId xmlns:a16="http://schemas.microsoft.com/office/drawing/2014/main" id="{BFD1358B-95AA-A228-5C13-4C20CC5EB231}"/>
               </a:ext>
             </a:extLst>
           </p:cNvPr>
@@ -9730,7 +9692,7 @@
         </p:nvSpPr>
         <p:spPr>
           <a:xfrm>
-            <a:off x="838200" y="6429375"/>
+            <a:off x="838200" y="6356350"/>
             <a:ext cx="2743200" cy="365125"/>
           </a:xfrm>
           <a:prstGeom prst="rect">
@@ -9741,9 +9703,11 @@
           <a:bodyPr vert="horz" lIns="91440" tIns="45720" rIns="91440" bIns="45720" rtlCol="0" anchor="ctr"/>
           <a:lstStyle>
             <a:lvl1pPr algn="l">
-              <a:defRPr sz="900" cap="all" spc="150" baseline="0">
+              <a:defRPr sz="1200">
                 <a:solidFill>
-                  <a:srgbClr val="FFFFFF"/>
+                  <a:schemeClr val="tx1">
+                    <a:tint val="75000"/>
+                  </a:schemeClr>
                 </a:solidFill>
               </a:defRPr>
             </a:lvl1pPr>
@@ -9752,7 +9716,7 @@
             <a:fld id="{AA70F276-1833-4A75-9C1D-A56E2295A68D}" type="datetimeFigureOut">
               <a:rPr lang="en-US" smtClean="0"/>
               <a:pPr/>
-              <a:t>1/3/2023</a:t>
+              <a:t>1/6/2023</a:t>
             </a:fld>
             <a:endParaRPr lang="en-US" dirty="0"/>
           </a:p>
@@ -9760,10 +9724,10 @@
       </p:sp>
       <p:sp>
         <p:nvSpPr>
-          <p:cNvPr id="5" name="Footer Placeholder 4">
+          <p:cNvPr id="5" name="Espace réservé du pied de page 4">
             <a:extLst>
               <a:ext uri="{FF2B5EF4-FFF2-40B4-BE49-F238E27FC236}">
-                <a16:creationId xmlns:a16="http://schemas.microsoft.com/office/drawing/2014/main" id="{26A4189E-43B2-4CEE-B13E-61A1FBBBD25D}"/>
+                <a16:creationId xmlns:a16="http://schemas.microsoft.com/office/drawing/2014/main" id="{7658B8B0-DAE7-8803-04B8-8929713FB4CF}"/>
               </a:ext>
             </a:extLst>
           </p:cNvPr>
@@ -9776,7 +9740,7 @@
         </p:nvSpPr>
         <p:spPr>
           <a:xfrm>
-            <a:off x="4038600" y="6429375"/>
+            <a:off x="4038600" y="6356350"/>
             <a:ext cx="4114800" cy="365125"/>
           </a:xfrm>
           <a:prstGeom prst="rect">
@@ -9787,9 +9751,11 @@
           <a:bodyPr vert="horz" lIns="91440" tIns="45720" rIns="91440" bIns="45720" rtlCol="0" anchor="ctr"/>
           <a:lstStyle>
             <a:lvl1pPr algn="ctr">
-              <a:defRPr sz="900" cap="all" spc="150" baseline="0">
+              <a:defRPr sz="1200">
                 <a:solidFill>
-                  <a:srgbClr val="FFFFFF"/>
+                  <a:schemeClr val="tx1">
+                    <a:tint val="75000"/>
+                  </a:schemeClr>
                 </a:solidFill>
               </a:defRPr>
             </a:lvl1pPr>
@@ -9805,10 +9771,10 @@
       </p:sp>
       <p:sp>
         <p:nvSpPr>
-          <p:cNvPr id="6" name="Slide Number Placeholder 5">
+          <p:cNvPr id="6" name="Espace réservé du numéro de diapositive 5">
             <a:extLst>
               <a:ext uri="{FF2B5EF4-FFF2-40B4-BE49-F238E27FC236}">
-                <a16:creationId xmlns:a16="http://schemas.microsoft.com/office/drawing/2014/main" id="{EAA0530F-0BC8-46EF-A765-DD58B5367528}"/>
+                <a16:creationId xmlns:a16="http://schemas.microsoft.com/office/drawing/2014/main" id="{23F491BE-DA8B-CA08-BBF6-A76163772FB7}"/>
               </a:ext>
             </a:extLst>
           </p:cNvPr>
@@ -9821,7 +9787,7 @@
         </p:nvSpPr>
         <p:spPr>
           <a:xfrm>
-            <a:off x="8610600" y="6429375"/>
+            <a:off x="8610600" y="6356350"/>
             <a:ext cx="2743200" cy="365125"/>
           </a:xfrm>
           <a:prstGeom prst="rect">
@@ -9832,9 +9798,11 @@
           <a:bodyPr vert="horz" lIns="91440" tIns="45720" rIns="91440" bIns="45720" rtlCol="0" anchor="ctr"/>
           <a:lstStyle>
             <a:lvl1pPr algn="r">
-              <a:defRPr sz="900" cap="all" spc="150" baseline="0">
+              <a:defRPr sz="1200">
                 <a:solidFill>
-                  <a:srgbClr val="FFFFFF"/>
+                  <a:schemeClr val="tx1">
+                    <a:tint val="75000"/>
+                  </a:schemeClr>
                 </a:solidFill>
               </a:defRPr>
             </a:lvl1pPr>
@@ -9852,27 +9820,27 @@
     </p:spTree>
     <p:extLst>
       <p:ext uri="{BB962C8B-B14F-4D97-AF65-F5344CB8AC3E}">
-        <p14:creationId xmlns:p14="http://schemas.microsoft.com/office/powerpoint/2010/main" val="1266889737"/>
+        <p14:creationId xmlns:p14="http://schemas.microsoft.com/office/powerpoint/2010/main" val="4163767690"/>
       </p:ext>
     </p:extLst>
   </p:cSld>
   <p:clrMap bg1="lt1" tx1="dk1" bg2="lt2" tx2="dk2" accent1="accent1" accent2="accent2" accent3="accent3" accent4="accent4" accent5="accent5" accent6="accent6" hlink="hlink" folHlink="folHlink"/>
   <p:sldLayoutIdLst>
-    <p:sldLayoutId id="2147483705" r:id="rId1"/>
-    <p:sldLayoutId id="2147483706" r:id="rId2"/>
-    <p:sldLayoutId id="2147483707" r:id="rId3"/>
-    <p:sldLayoutId id="2147483708" r:id="rId4"/>
-    <p:sldLayoutId id="2147483709" r:id="rId5"/>
-    <p:sldLayoutId id="2147483703" r:id="rId6"/>
-    <p:sldLayoutId id="2147483699" r:id="rId7"/>
-    <p:sldLayoutId id="2147483700" r:id="rId8"/>
-    <p:sldLayoutId id="2147483701" r:id="rId9"/>
-    <p:sldLayoutId id="2147483702" r:id="rId10"/>
-    <p:sldLayoutId id="2147483704" r:id="rId11"/>
+    <p:sldLayoutId id="2147483712" r:id="rId1"/>
+    <p:sldLayoutId id="2147483713" r:id="rId2"/>
+    <p:sldLayoutId id="2147483714" r:id="rId3"/>
+    <p:sldLayoutId id="2147483715" r:id="rId4"/>
+    <p:sldLayoutId id="2147483716" r:id="rId5"/>
+    <p:sldLayoutId id="2147483717" r:id="rId6"/>
+    <p:sldLayoutId id="2147483718" r:id="rId7"/>
+    <p:sldLayoutId id="2147483719" r:id="rId8"/>
+    <p:sldLayoutId id="2147483720" r:id="rId9"/>
+    <p:sldLayoutId id="2147483721" r:id="rId10"/>
+    <p:sldLayoutId id="2147483722" r:id="rId11"/>
   </p:sldLayoutIdLst>
   <p:txStyles>
     <p:titleStyle>
-      <a:lvl1pPr marL="0" algn="l" defTabSz="914400" rtl="0" eaLnBrk="1" latinLnBrk="0" hangingPunct="1">
+      <a:lvl1pPr algn="l" defTabSz="914400" rtl="0" eaLnBrk="1" latinLnBrk="0" hangingPunct="1">
         <a:lnSpc>
           <a:spcPct val="90000"/>
         </a:lnSpc>
@@ -9880,157 +9848,101 @@
           <a:spcPct val="0"/>
         </a:spcBef>
         <a:buNone/>
-        <a:defRPr lang="en-US" sz="5200" kern="1200" dirty="0">
-          <a:gradFill flip="none" rotWithShape="1">
-            <a:gsLst>
-              <a:gs pos="0">
-                <a:schemeClr val="accent5"/>
-              </a:gs>
-              <a:gs pos="100000">
-                <a:schemeClr val="accent1">
-                  <a:alpha val="70000"/>
-                </a:schemeClr>
-              </a:gs>
-            </a:gsLst>
-            <a:lin ang="0" scaled="1"/>
-            <a:tileRect/>
-          </a:gradFill>
+        <a:defRPr sz="4400" kern="1200">
+          <a:solidFill>
+            <a:schemeClr val="tx1"/>
+          </a:solidFill>
           <a:latin typeface="+mj-lt"/>
-          <a:ea typeface="+mn-ea"/>
-          <a:cs typeface="Angsana New" panose="02020603050405020304" pitchFamily="18" charset="-34"/>
+          <a:ea typeface="+mj-ea"/>
+          <a:cs typeface="+mj-cs"/>
         </a:defRPr>
       </a:lvl1pPr>
     </p:titleStyle>
     <p:bodyStyle>
-      <a:lvl1pPr marL="457200" indent="-228600" algn="l" defTabSz="914400" rtl="0" eaLnBrk="1" latinLnBrk="0" hangingPunct="1">
+      <a:lvl1pPr marL="228600" indent="-228600" algn="l" defTabSz="914400" rtl="0" eaLnBrk="1" latinLnBrk="0" hangingPunct="1">
         <a:lnSpc>
-          <a:spcPct val="110000"/>
+          <a:spcPct val="90000"/>
         </a:lnSpc>
         <a:spcBef>
           <a:spcPts val="1000"/>
         </a:spcBef>
-        <a:buClr>
-          <a:schemeClr val="tx2">
-            <a:lumMod val="10000"/>
-            <a:lumOff val="90000"/>
-          </a:schemeClr>
-        </a:buClr>
-        <a:buSzPct val="80000"/>
-        <a:buFont typeface="Wingdings" panose="05000000000000000000" pitchFamily="2" charset="2"/>
-        <a:buChar char="§"/>
+        <a:buFont typeface="Arial" panose="020B0604020202020204" pitchFamily="34" charset="0"/>
+        <a:buChar char="•"/>
         <a:defRPr sz="2800" kern="1200">
           <a:solidFill>
-            <a:schemeClr val="tx2">
-              <a:alpha val="70000"/>
-            </a:schemeClr>
+            <a:schemeClr val="tx1"/>
           </a:solidFill>
           <a:latin typeface="+mn-lt"/>
           <a:ea typeface="+mn-ea"/>
           <a:cs typeface="+mn-cs"/>
         </a:defRPr>
       </a:lvl1pPr>
-      <a:lvl2pPr marL="800100" indent="-228600" algn="l" defTabSz="914400" rtl="0" eaLnBrk="1" latinLnBrk="0" hangingPunct="1">
+      <a:lvl2pPr marL="685800" indent="-228600" algn="l" defTabSz="914400" rtl="0" eaLnBrk="1" latinLnBrk="0" hangingPunct="1">
         <a:lnSpc>
-          <a:spcPct val="110000"/>
+          <a:spcPct val="90000"/>
         </a:lnSpc>
         <a:spcBef>
           <a:spcPts val="500"/>
         </a:spcBef>
-        <a:buClr>
-          <a:schemeClr val="tx2">
-            <a:lumMod val="10000"/>
-            <a:lumOff val="90000"/>
-          </a:schemeClr>
-        </a:buClr>
-        <a:buSzPct val="80000"/>
-        <a:buFont typeface="Wingdings" panose="05000000000000000000" pitchFamily="2" charset="2"/>
-        <a:buChar char="§"/>
+        <a:buFont typeface="Arial" panose="020B0604020202020204" pitchFamily="34" charset="0"/>
+        <a:buChar char="•"/>
         <a:defRPr sz="2400" kern="1200">
           <a:solidFill>
-            <a:schemeClr val="tx2">
-              <a:alpha val="70000"/>
-            </a:schemeClr>
+            <a:schemeClr val="tx1"/>
           </a:solidFill>
           <a:latin typeface="+mn-lt"/>
           <a:ea typeface="+mn-ea"/>
           <a:cs typeface="+mn-cs"/>
         </a:defRPr>
       </a:lvl2pPr>
-      <a:lvl3pPr marL="1257300" indent="-228600" algn="l" defTabSz="914400" rtl="0" eaLnBrk="1" latinLnBrk="0" hangingPunct="1">
+      <a:lvl3pPr marL="1143000" indent="-228600" algn="l" defTabSz="914400" rtl="0" eaLnBrk="1" latinLnBrk="0" hangingPunct="1">
         <a:lnSpc>
-          <a:spcPct val="110000"/>
+          <a:spcPct val="90000"/>
         </a:lnSpc>
         <a:spcBef>
           <a:spcPts val="500"/>
         </a:spcBef>
-        <a:buClr>
-          <a:schemeClr val="tx2">
-            <a:lumMod val="10000"/>
-            <a:lumOff val="90000"/>
-          </a:schemeClr>
-        </a:buClr>
-        <a:buSzPct val="80000"/>
-        <a:buFont typeface="Wingdings" panose="05000000000000000000" pitchFamily="2" charset="2"/>
-        <a:buChar char="§"/>
+        <a:buFont typeface="Arial" panose="020B0604020202020204" pitchFamily="34" charset="0"/>
+        <a:buChar char="•"/>
         <a:defRPr sz="2000" kern="1200">
           <a:solidFill>
-            <a:schemeClr val="tx2">
-              <a:alpha val="70000"/>
-            </a:schemeClr>
+            <a:schemeClr val="tx1"/>
           </a:solidFill>
           <a:latin typeface="+mn-lt"/>
           <a:ea typeface="+mn-ea"/>
           <a:cs typeface="+mn-cs"/>
         </a:defRPr>
       </a:lvl3pPr>
-      <a:lvl4pPr marL="1657350" indent="-228600" algn="l" defTabSz="914400" rtl="0" eaLnBrk="1" latinLnBrk="0" hangingPunct="1">
+      <a:lvl4pPr marL="1600200" indent="-228600" algn="l" defTabSz="914400" rtl="0" eaLnBrk="1" latinLnBrk="0" hangingPunct="1">
         <a:lnSpc>
-          <a:spcPct val="110000"/>
+          <a:spcPct val="90000"/>
         </a:lnSpc>
         <a:spcBef>
           <a:spcPts val="500"/>
         </a:spcBef>
-        <a:buClr>
-          <a:schemeClr val="tx2">
-            <a:lumMod val="10000"/>
-            <a:lumOff val="90000"/>
-          </a:schemeClr>
-        </a:buClr>
-        <a:buSzPct val="80000"/>
-        <a:buFont typeface="Wingdings" panose="05000000000000000000" pitchFamily="2" charset="2"/>
-        <a:buChar char="§"/>
+        <a:buFont typeface="Arial" panose="020B0604020202020204" pitchFamily="34" charset="0"/>
+        <a:buChar char="•"/>
         <a:defRPr sz="1800" kern="1200">
           <a:solidFill>
-            <a:schemeClr val="tx2">
-              <a:alpha val="70000"/>
-            </a:schemeClr>
+            <a:schemeClr val="tx1"/>
           </a:solidFill>
           <a:latin typeface="+mn-lt"/>
           <a:ea typeface="+mn-ea"/>
           <a:cs typeface="+mn-cs"/>
         </a:defRPr>
       </a:lvl4pPr>
-      <a:lvl5pPr marL="2114550" indent="-228600" algn="l" defTabSz="914400" rtl="0" eaLnBrk="1" latinLnBrk="0" hangingPunct="1">
+      <a:lvl5pPr marL="2057400" indent="-228600" algn="l" defTabSz="914400" rtl="0" eaLnBrk="1" latinLnBrk="0" hangingPunct="1">
         <a:lnSpc>
-          <a:spcPct val="110000"/>
+          <a:spcPct val="90000"/>
         </a:lnSpc>
         <a:spcBef>
           <a:spcPts val="500"/>
         </a:spcBef>
-        <a:buClr>
-          <a:schemeClr val="tx2">
-            <a:lumMod val="10000"/>
-            <a:lumOff val="90000"/>
-          </a:schemeClr>
-        </a:buClr>
-        <a:buSzPct val="80000"/>
-        <a:buFont typeface="Wingdings" panose="05000000000000000000" pitchFamily="2" charset="2"/>
-        <a:buChar char="§"/>
+        <a:buFont typeface="Arial" panose="020B0604020202020204" pitchFamily="34" charset="0"/>
+        <a:buChar char="•"/>
         <a:defRPr sz="1800" kern="1200">
           <a:solidFill>
-            <a:schemeClr val="tx2">
-              <a:alpha val="70000"/>
-            </a:schemeClr>
+            <a:schemeClr val="tx1"/>
           </a:solidFill>
           <a:latin typeface="+mn-lt"/>
           <a:ea typeface="+mn-ea"/>
@@ -10112,7 +10024,7 @@
     </p:bodyStyle>
     <p:otherStyle>
       <a:defPPr>
-        <a:defRPr lang="en-US"/>
+        <a:defRPr lang="fr-FR"/>
       </a:defPPr>
       <a:lvl1pPr marL="0" algn="l" defTabSz="914400" rtl="0" eaLnBrk="1" latinLnBrk="0" hangingPunct="1">
         <a:defRPr sz="1800" kern="1200">
@@ -10234,365 +10146,6 @@
           <a:chExt cx="0" cy="0"/>
         </a:xfrm>
       </p:grpSpPr>
-      <p:sp useBgFill="1">
-        <p:nvSpPr>
-          <p:cNvPr id="16" name="Rectangle 15">
-            <a:extLst>
-              <a:ext uri="{FF2B5EF4-FFF2-40B4-BE49-F238E27FC236}">
-                <a16:creationId xmlns:a16="http://schemas.microsoft.com/office/drawing/2014/main" id="{610334BF-0422-4A9A-BE46-AEB8C348BAC4}"/>
-              </a:ext>
-              <a:ext uri="{C183D7F6-B498-43B3-948B-1728B52AA6E4}">
-                <adec:decorative xmlns:adec="http://schemas.microsoft.com/office/drawing/2017/decorative" val="1"/>
-              </a:ext>
-            </a:extLst>
-          </p:cNvPr>
-          <p:cNvSpPr>
-            <a:spLocks noGrp="1" noRot="1" noChangeAspect="1" noMove="1" noResize="1" noEditPoints="1" noAdjustHandles="1" noChangeArrowheads="1" noChangeShapeType="1" noTextEdit="1"/>
-          </p:cNvSpPr>
-          <p:nvPr>
-            <p:extLst>
-              <p:ext uri="{386F3935-93C4-4BCD-93E2-E3B085C9AB24}">
-                <p16:designElem xmlns:p16="http://schemas.microsoft.com/office/powerpoint/2015/main" val="1"/>
-              </p:ext>
-            </p:extLst>
-          </p:nvPr>
-        </p:nvSpPr>
-        <p:spPr>
-          <a:xfrm>
-            <a:off x="0" y="0"/>
-            <a:ext cx="12188952" cy="6858000"/>
-          </a:xfrm>
-          <a:prstGeom prst="rect">
-            <a:avLst/>
-          </a:prstGeom>
-          <a:ln>
-            <a:noFill/>
-          </a:ln>
-        </p:spPr>
-        <p:style>
-          <a:lnRef idx="2">
-            <a:schemeClr val="accent1">
-              <a:shade val="50000"/>
-            </a:schemeClr>
-          </a:lnRef>
-          <a:fillRef idx="1">
-            <a:schemeClr val="accent1"/>
-          </a:fillRef>
-          <a:effectRef idx="0">
-            <a:schemeClr val="accent1"/>
-          </a:effectRef>
-          <a:fontRef idx="minor">
-            <a:schemeClr val="lt1"/>
-          </a:fontRef>
-        </p:style>
-        <p:txBody>
-          <a:bodyPr rtlCol="0" anchor="ctr"/>
-          <a:lstStyle/>
-          <a:p>
-            <a:pPr algn="ctr"/>
-            <a:endParaRPr lang="en-US" dirty="0"/>
-          </a:p>
-        </p:txBody>
-      </p:sp>
-      <p:sp>
-        <p:nvSpPr>
-          <p:cNvPr id="18" name="Rectangle 17">
-            <a:extLst>
-              <a:ext uri="{FF2B5EF4-FFF2-40B4-BE49-F238E27FC236}">
-                <a16:creationId xmlns:a16="http://schemas.microsoft.com/office/drawing/2014/main" id="{C98F2823-0279-49D8-928D-754B222533EF}"/>
-              </a:ext>
-              <a:ext uri="{C183D7F6-B498-43B3-948B-1728B52AA6E4}">
-                <adec:decorative xmlns:adec="http://schemas.microsoft.com/office/drawing/2017/decorative" val="1"/>
-              </a:ext>
-            </a:extLst>
-          </p:cNvPr>
-          <p:cNvSpPr>
-            <a:spLocks noGrp="1" noRot="1" noChangeAspect="1" noMove="1" noResize="1" noEditPoints="1" noAdjustHandles="1" noChangeArrowheads="1" noChangeShapeType="1" noTextEdit="1"/>
-          </p:cNvSpPr>
-          <p:nvPr>
-            <p:extLst>
-              <p:ext uri="{386F3935-93C4-4BCD-93E2-E3B085C9AB24}">
-                <p16:designElem xmlns:p16="http://schemas.microsoft.com/office/powerpoint/2015/main" val="1"/>
-              </p:ext>
-            </p:extLst>
-          </p:nvPr>
-        </p:nvSpPr>
-        <p:spPr>
-          <a:xfrm>
-            <a:off x="0" y="-664"/>
-            <a:ext cx="12188952" cy="6858000"/>
-          </a:xfrm>
-          <a:prstGeom prst="rect">
-            <a:avLst/>
-          </a:prstGeom>
-          <a:gradFill flip="none" rotWithShape="1">
-            <a:gsLst>
-              <a:gs pos="0">
-                <a:schemeClr val="accent2">
-                  <a:alpha val="60000"/>
-                </a:schemeClr>
-              </a:gs>
-              <a:gs pos="100000">
-                <a:schemeClr val="accent1">
-                  <a:alpha val="60000"/>
-                </a:schemeClr>
-              </a:gs>
-            </a:gsLst>
-            <a:lin ang="2700000" scaled="1"/>
-            <a:tileRect/>
-          </a:gradFill>
-          <a:ln>
-            <a:noFill/>
-          </a:ln>
-        </p:spPr>
-        <p:style>
-          <a:lnRef idx="2">
-            <a:schemeClr val="accent1">
-              <a:shade val="50000"/>
-            </a:schemeClr>
-          </a:lnRef>
-          <a:fillRef idx="1">
-            <a:schemeClr val="accent1"/>
-          </a:fillRef>
-          <a:effectRef idx="0">
-            <a:schemeClr val="accent1"/>
-          </a:effectRef>
-          <a:fontRef idx="minor">
-            <a:schemeClr val="lt1"/>
-          </a:fontRef>
-        </p:style>
-        <p:txBody>
-          <a:bodyPr rtlCol="0" anchor="ctr"/>
-          <a:lstStyle/>
-          <a:p>
-            <a:pPr algn="ctr"/>
-            <a:endParaRPr lang="en-US" dirty="0"/>
-          </a:p>
-        </p:txBody>
-      </p:sp>
-      <p:sp>
-        <p:nvSpPr>
-          <p:cNvPr id="27" name="Rectangle 19">
-            <a:extLst>
-              <a:ext uri="{FF2B5EF4-FFF2-40B4-BE49-F238E27FC236}">
-                <a16:creationId xmlns:a16="http://schemas.microsoft.com/office/drawing/2014/main" id="{02E45E95-311C-41C7-A882-6E43F0806865}"/>
-              </a:ext>
-              <a:ext uri="{C183D7F6-B498-43B3-948B-1728B52AA6E4}">
-                <adec:decorative xmlns:adec="http://schemas.microsoft.com/office/drawing/2017/decorative" val="1"/>
-              </a:ext>
-            </a:extLst>
-          </p:cNvPr>
-          <p:cNvSpPr>
-            <a:spLocks noGrp="1" noRot="1" noChangeAspect="1" noMove="1" noResize="1" noEditPoints="1" noAdjustHandles="1" noChangeArrowheads="1" noChangeShapeType="1" noTextEdit="1"/>
-          </p:cNvSpPr>
-          <p:nvPr>
-            <p:extLst>
-              <p:ext uri="{386F3935-93C4-4BCD-93E2-E3B085C9AB24}">
-                <p16:designElem xmlns:p16="http://schemas.microsoft.com/office/powerpoint/2015/main" val="1"/>
-              </p:ext>
-            </p:extLst>
-          </p:nvPr>
-        </p:nvSpPr>
-        <p:spPr>
-          <a:xfrm>
-            <a:off x="0" y="663"/>
-            <a:ext cx="12188952" cy="6858000"/>
-          </a:xfrm>
-          <a:prstGeom prst="rect">
-            <a:avLst/>
-          </a:prstGeom>
-          <a:solidFill>
-            <a:schemeClr val="bg2">
-              <a:alpha val="20000"/>
-            </a:schemeClr>
-          </a:solidFill>
-          <a:ln>
-            <a:noFill/>
-          </a:ln>
-        </p:spPr>
-        <p:style>
-          <a:lnRef idx="2">
-            <a:schemeClr val="accent1">
-              <a:shade val="50000"/>
-            </a:schemeClr>
-          </a:lnRef>
-          <a:fillRef idx="1">
-            <a:schemeClr val="accent1"/>
-          </a:fillRef>
-          <a:effectRef idx="0">
-            <a:schemeClr val="accent1"/>
-          </a:effectRef>
-          <a:fontRef idx="minor">
-            <a:schemeClr val="lt1"/>
-          </a:fontRef>
-        </p:style>
-        <p:txBody>
-          <a:bodyPr rtlCol="0" anchor="ctr"/>
-          <a:lstStyle/>
-          <a:p>
-            <a:pPr algn="ctr"/>
-            <a:endParaRPr lang="en-US" dirty="0"/>
-          </a:p>
-        </p:txBody>
-      </p:sp>
-      <p:sp>
-        <p:nvSpPr>
-          <p:cNvPr id="22" name="Oval 21">
-            <a:extLst>
-              <a:ext uri="{FF2B5EF4-FFF2-40B4-BE49-F238E27FC236}">
-                <a16:creationId xmlns:a16="http://schemas.microsoft.com/office/drawing/2014/main" id="{B7299D5D-ECC5-41EB-B830-C3A35FB35516}"/>
-              </a:ext>
-              <a:ext uri="{C183D7F6-B498-43B3-948B-1728B52AA6E4}">
-                <adec:decorative xmlns:adec="http://schemas.microsoft.com/office/drawing/2017/decorative" val="1"/>
-              </a:ext>
-            </a:extLst>
-          </p:cNvPr>
-          <p:cNvSpPr>
-            <a:spLocks noGrp="1" noRot="1" noChangeAspect="1" noMove="1" noResize="1" noEditPoints="1" noAdjustHandles="1" noChangeArrowheads="1" noChangeShapeType="1" noTextEdit="1"/>
-          </p:cNvSpPr>
-          <p:nvPr>
-            <p:extLst>
-              <p:ext uri="{386F3935-93C4-4BCD-93E2-E3B085C9AB24}">
-                <p16:designElem xmlns:p16="http://schemas.microsoft.com/office/powerpoint/2015/main" val="1"/>
-              </p:ext>
-            </p:extLst>
-          </p:nvPr>
-        </p:nvSpPr>
-        <p:spPr>
-          <a:xfrm rot="16200000">
-            <a:off x="2537516" y="0"/>
-            <a:ext cx="6857999" cy="6857998"/>
-          </a:xfrm>
-          <a:prstGeom prst="ellipse">
-            <a:avLst/>
-          </a:prstGeom>
-          <a:gradFill>
-            <a:gsLst>
-              <a:gs pos="0">
-                <a:schemeClr val="accent1">
-                  <a:lumMod val="20000"/>
-                  <a:lumOff val="80000"/>
-                  <a:alpha val="40000"/>
-                </a:schemeClr>
-              </a:gs>
-              <a:gs pos="100000">
-                <a:schemeClr val="accent1">
-                  <a:alpha val="40000"/>
-                </a:schemeClr>
-              </a:gs>
-            </a:gsLst>
-            <a:lin ang="2700000" scaled="1"/>
-          </a:gradFill>
-          <a:ln>
-            <a:noFill/>
-          </a:ln>
-          <a:effectLst>
-            <a:softEdge rad="520700"/>
-          </a:effectLst>
-        </p:spPr>
-        <p:style>
-          <a:lnRef idx="2">
-            <a:schemeClr val="accent1">
-              <a:shade val="50000"/>
-            </a:schemeClr>
-          </a:lnRef>
-          <a:fillRef idx="1">
-            <a:schemeClr val="accent1"/>
-          </a:fillRef>
-          <a:effectRef idx="0">
-            <a:schemeClr val="accent1"/>
-          </a:effectRef>
-          <a:fontRef idx="minor">
-            <a:schemeClr val="lt1"/>
-          </a:fontRef>
-        </p:style>
-        <p:txBody>
-          <a:bodyPr rtlCol="0" anchor="ctr"/>
-          <a:lstStyle/>
-          <a:p>
-            <a:pPr algn="ctr"/>
-            <a:endParaRPr lang="en-US" dirty="0"/>
-          </a:p>
-        </p:txBody>
-      </p:sp>
-      <p:sp>
-        <p:nvSpPr>
-          <p:cNvPr id="28" name="Oval 23">
-            <a:extLst>
-              <a:ext uri="{FF2B5EF4-FFF2-40B4-BE49-F238E27FC236}">
-                <a16:creationId xmlns:a16="http://schemas.microsoft.com/office/drawing/2014/main" id="{88C91735-5EFE-44D1-8CC6-FDF0D11B6F5D}"/>
-              </a:ext>
-              <a:ext uri="{C183D7F6-B498-43B3-948B-1728B52AA6E4}">
-                <adec:decorative xmlns:adec="http://schemas.microsoft.com/office/drawing/2017/decorative" val="1"/>
-              </a:ext>
-            </a:extLst>
-          </p:cNvPr>
-          <p:cNvSpPr>
-            <a:spLocks noGrp="1" noRot="1" noChangeAspect="1" noMove="1" noResize="1" noEditPoints="1" noAdjustHandles="1" noChangeArrowheads="1" noChangeShapeType="1" noTextEdit="1"/>
-          </p:cNvSpPr>
-          <p:nvPr>
-            <p:extLst>
-              <p:ext uri="{386F3935-93C4-4BCD-93E2-E3B085C9AB24}">
-                <p16:designElem xmlns:p16="http://schemas.microsoft.com/office/powerpoint/2015/main" val="1"/>
-              </p:ext>
-            </p:extLst>
-          </p:nvPr>
-        </p:nvSpPr>
-        <p:spPr>
-          <a:xfrm rot="16200000">
-            <a:off x="73990" y="1194074"/>
-            <a:ext cx="5589934" cy="5737916"/>
-          </a:xfrm>
-          <a:prstGeom prst="ellipse">
-            <a:avLst/>
-          </a:prstGeom>
-          <a:gradFill>
-            <a:gsLst>
-              <a:gs pos="0">
-                <a:schemeClr val="accent1">
-                  <a:alpha val="40000"/>
-                </a:schemeClr>
-              </a:gs>
-              <a:gs pos="100000">
-                <a:schemeClr val="accent5">
-                  <a:alpha val="20000"/>
-                </a:schemeClr>
-              </a:gs>
-            </a:gsLst>
-            <a:lin ang="2700000" scaled="1"/>
-          </a:gradFill>
-          <a:ln>
-            <a:noFill/>
-          </a:ln>
-          <a:effectLst>
-            <a:softEdge rad="952500"/>
-          </a:effectLst>
-        </p:spPr>
-        <p:style>
-          <a:lnRef idx="2">
-            <a:schemeClr val="accent1">
-              <a:shade val="50000"/>
-            </a:schemeClr>
-          </a:lnRef>
-          <a:fillRef idx="1">
-            <a:schemeClr val="accent1"/>
-          </a:fillRef>
-          <a:effectRef idx="0">
-            <a:schemeClr val="accent1"/>
-          </a:effectRef>
-          <a:fontRef idx="minor">
-            <a:schemeClr val="lt1"/>
-          </a:fontRef>
-        </p:style>
-        <p:txBody>
-          <a:bodyPr rtlCol="0" anchor="ctr"/>
-          <a:lstStyle/>
-          <a:p>
-            <a:pPr algn="ctr"/>
-            <a:endParaRPr lang="en-US" dirty="0"/>
-          </a:p>
-        </p:txBody>
-      </p:sp>
       <p:sp>
         <p:nvSpPr>
           <p:cNvPr id="2" name="Titre 1">
@@ -10679,84 +10232,6 @@
               </a:rPr>
               <a:t>Que des solutions</a:t>
             </a:r>
-          </a:p>
-        </p:txBody>
-      </p:sp>
-      <p:sp>
-        <p:nvSpPr>
-          <p:cNvPr id="26" name="Oval 25">
-            <a:extLst>
-              <a:ext uri="{FF2B5EF4-FFF2-40B4-BE49-F238E27FC236}">
-                <a16:creationId xmlns:a16="http://schemas.microsoft.com/office/drawing/2014/main" id="{D33F926C-2613-475D-AEE4-CD7D87D3BA2D}"/>
-              </a:ext>
-              <a:ext uri="{C183D7F6-B498-43B3-948B-1728B52AA6E4}">
-                <adec:decorative xmlns:adec="http://schemas.microsoft.com/office/drawing/2017/decorative" val="1"/>
-              </a:ext>
-            </a:extLst>
-          </p:cNvPr>
-          <p:cNvSpPr>
-            <a:spLocks noGrp="1" noRot="1" noChangeAspect="1" noMove="1" noResize="1" noEditPoints="1" noAdjustHandles="1" noChangeArrowheads="1" noChangeShapeType="1" noTextEdit="1"/>
-          </p:cNvSpPr>
-          <p:nvPr>
-            <p:extLst>
-              <p:ext uri="{386F3935-93C4-4BCD-93E2-E3B085C9AB24}">
-                <p16:designElem xmlns:p16="http://schemas.microsoft.com/office/powerpoint/2015/main" val="1"/>
-              </p:ext>
-            </p:extLst>
-          </p:nvPr>
-        </p:nvSpPr>
-        <p:spPr>
-          <a:xfrm rot="16200000">
-            <a:off x="6439622" y="194269"/>
-            <a:ext cx="5760743" cy="5737917"/>
-          </a:xfrm>
-          <a:prstGeom prst="ellipse">
-            <a:avLst/>
-          </a:prstGeom>
-          <a:gradFill>
-            <a:gsLst>
-              <a:gs pos="0">
-                <a:schemeClr val="accent1">
-                  <a:alpha val="20000"/>
-                </a:schemeClr>
-              </a:gs>
-              <a:gs pos="100000">
-                <a:schemeClr val="accent5">
-                  <a:alpha val="40000"/>
-                </a:schemeClr>
-              </a:gs>
-            </a:gsLst>
-            <a:lin ang="2700000" scaled="1"/>
-          </a:gradFill>
-          <a:ln>
-            <a:noFill/>
-          </a:ln>
-          <a:effectLst>
-            <a:softEdge rad="1003300"/>
-          </a:effectLst>
-        </p:spPr>
-        <p:style>
-          <a:lnRef idx="2">
-            <a:schemeClr val="accent1">
-              <a:shade val="50000"/>
-            </a:schemeClr>
-          </a:lnRef>
-          <a:fillRef idx="1">
-            <a:schemeClr val="accent1"/>
-          </a:fillRef>
-          <a:effectRef idx="0">
-            <a:schemeClr val="accent1"/>
-          </a:effectRef>
-          <a:fontRef idx="minor">
-            <a:schemeClr val="lt1"/>
-          </a:fontRef>
-        </p:style>
-        <p:txBody>
-          <a:bodyPr rtlCol="0" anchor="ctr"/>
-          <a:lstStyle/>
-          <a:p>
-            <a:pPr algn="ctr"/>
-            <a:endParaRPr lang="en-US" dirty="0"/>
           </a:p>
         </p:txBody>
       </p:sp>
@@ -15658,6 +15133,41 @@
           </a:p>
         </p:txBody>
       </p:sp>
+      <p:pic>
+        <p:nvPicPr>
+          <p:cNvPr id="26" name="Espace réservé du contenu 5">
+            <a:extLst>
+              <a:ext uri="{FF2B5EF4-FFF2-40B4-BE49-F238E27FC236}">
+                <a16:creationId xmlns:a16="http://schemas.microsoft.com/office/drawing/2014/main" id="{38759312-5124-47B9-0955-E97E9B69ECD1}"/>
+              </a:ext>
+            </a:extLst>
+          </p:cNvPr>
+          <p:cNvPicPr>
+            <a:picLocks noGrp="1" noChangeAspect="1"/>
+          </p:cNvPicPr>
+          <p:nvPr>
+            <p:ph idx="1"/>
+          </p:nvPr>
+        </p:nvPicPr>
+        <p:blipFill>
+          <a:blip r:embed="rId3">
+            <a:extLst>
+              <a:ext uri="{28A0092B-C50C-407E-A947-70E740481C1C}">
+                <a14:useLocalDpi xmlns:a14="http://schemas.microsoft.com/office/drawing/2010/main" val="0"/>
+              </a:ext>
+            </a:extLst>
+          </a:blip>
+          <a:stretch>
+            <a:fillRect/>
+          </a:stretch>
+        </p:blipFill>
+        <p:spPr>
+          <a:xfrm>
+            <a:off x="8019372" y="1168698"/>
+            <a:ext cx="1924050" cy="1924050"/>
+          </a:xfrm>
+        </p:spPr>
+      </p:pic>
       <p:grpSp>
         <p:nvGrpSpPr>
           <p:cNvPr id="17" name="Groupe 16">
@@ -16313,41 +15823,6 @@
           </p:txBody>
         </p:sp>
       </p:grpSp>
-      <p:pic>
-        <p:nvPicPr>
-          <p:cNvPr id="26" name="Espace réservé du contenu 5">
-            <a:extLst>
-              <a:ext uri="{FF2B5EF4-FFF2-40B4-BE49-F238E27FC236}">
-                <a16:creationId xmlns:a16="http://schemas.microsoft.com/office/drawing/2014/main" id="{38759312-5124-47B9-0955-E97E9B69ECD1}"/>
-              </a:ext>
-            </a:extLst>
-          </p:cNvPr>
-          <p:cNvPicPr>
-            <a:picLocks noGrp="1" noChangeAspect="1"/>
-          </p:cNvPicPr>
-          <p:nvPr>
-            <p:ph idx="1"/>
-          </p:nvPr>
-        </p:nvPicPr>
-        <p:blipFill>
-          <a:blip r:embed="rId3">
-            <a:extLst>
-              <a:ext uri="{28A0092B-C50C-407E-A947-70E740481C1C}">
-                <a14:useLocalDpi xmlns:a14="http://schemas.microsoft.com/office/drawing/2010/main" val="0"/>
-              </a:ext>
-            </a:extLst>
-          </a:blip>
-          <a:stretch>
-            <a:fillRect/>
-          </a:stretch>
-        </p:blipFill>
-        <p:spPr>
-          <a:xfrm>
-            <a:off x="8019372" y="1168698"/>
-            <a:ext cx="1924050" cy="1924050"/>
-          </a:xfrm>
-        </p:spPr>
-      </p:pic>
     </p:spTree>
     <p:extLst>
       <p:ext uri="{BB962C8B-B14F-4D97-AF65-F5344CB8AC3E}">
@@ -16690,6 +16165,41 @@
           </a:p>
         </p:txBody>
       </p:sp>
+      <p:pic>
+        <p:nvPicPr>
+          <p:cNvPr id="6" name="Espace réservé du contenu 5">
+            <a:extLst>
+              <a:ext uri="{FF2B5EF4-FFF2-40B4-BE49-F238E27FC236}">
+                <a16:creationId xmlns:a16="http://schemas.microsoft.com/office/drawing/2014/main" id="{F5009788-8186-24B6-82B6-48A10A10EEEE}"/>
+              </a:ext>
+            </a:extLst>
+          </p:cNvPr>
+          <p:cNvPicPr>
+            <a:picLocks noGrp="1" noChangeAspect="1"/>
+          </p:cNvPicPr>
+          <p:nvPr>
+            <p:ph idx="1"/>
+          </p:nvPr>
+        </p:nvPicPr>
+        <p:blipFill>
+          <a:blip r:embed="rId3">
+            <a:extLst>
+              <a:ext uri="{28A0092B-C50C-407E-A947-70E740481C1C}">
+                <a14:useLocalDpi xmlns:a14="http://schemas.microsoft.com/office/drawing/2010/main" val="0"/>
+              </a:ext>
+            </a:extLst>
+          </a:blip>
+          <a:stretch>
+            <a:fillRect/>
+          </a:stretch>
+        </p:blipFill>
+        <p:spPr>
+          <a:xfrm>
+            <a:off x="8258915" y="2466975"/>
+            <a:ext cx="1924050" cy="1924050"/>
+          </a:xfrm>
+        </p:spPr>
+      </p:pic>
       <p:sp>
         <p:nvSpPr>
           <p:cNvPr id="9" name="ZoneTexte 8">
@@ -16742,41 +16252,6 @@
           </a:p>
         </p:txBody>
       </p:sp>
-      <p:pic>
-        <p:nvPicPr>
-          <p:cNvPr id="6" name="Espace réservé du contenu 5">
-            <a:extLst>
-              <a:ext uri="{FF2B5EF4-FFF2-40B4-BE49-F238E27FC236}">
-                <a16:creationId xmlns:a16="http://schemas.microsoft.com/office/drawing/2014/main" id="{F5009788-8186-24B6-82B6-48A10A10EEEE}"/>
-              </a:ext>
-            </a:extLst>
-          </p:cNvPr>
-          <p:cNvPicPr>
-            <a:picLocks noGrp="1" noChangeAspect="1"/>
-          </p:cNvPicPr>
-          <p:nvPr>
-            <p:ph idx="1"/>
-          </p:nvPr>
-        </p:nvPicPr>
-        <p:blipFill>
-          <a:blip r:embed="rId3">
-            <a:extLst>
-              <a:ext uri="{28A0092B-C50C-407E-A947-70E740481C1C}">
-                <a14:useLocalDpi xmlns:a14="http://schemas.microsoft.com/office/drawing/2010/main" val="0"/>
-              </a:ext>
-            </a:extLst>
-          </a:blip>
-          <a:stretch>
-            <a:fillRect/>
-          </a:stretch>
-        </p:blipFill>
-        <p:spPr>
-          <a:xfrm>
-            <a:off x="8258915" y="2466975"/>
-            <a:ext cx="1924050" cy="1924050"/>
-          </a:xfrm>
-        </p:spPr>
-      </p:pic>
       <p:sp>
         <p:nvSpPr>
           <p:cNvPr id="3" name="ZoneTexte 2">
@@ -19417,6 +18892,66 @@
 </p:sld>
 </file>
 
+<file path=ppt/slides/slide25.xml><?xml version="1.0" encoding="utf-8"?>
+<p:sld xmlns:a="http://schemas.openxmlformats.org/drawingml/2006/main" xmlns:r="http://schemas.openxmlformats.org/officeDocument/2006/relationships" xmlns:p="http://schemas.openxmlformats.org/presentationml/2006/main">
+  <p:cSld>
+    <p:spTree>
+      <p:nvGrpSpPr>
+        <p:cNvPr id="1" name=""/>
+        <p:cNvGrpSpPr/>
+        <p:nvPr/>
+      </p:nvGrpSpPr>
+      <p:grpSpPr>
+        <a:xfrm>
+          <a:off x="0" y="0"/>
+          <a:ext cx="0" cy="0"/>
+          <a:chOff x="0" y="0"/>
+          <a:chExt cx="0" cy="0"/>
+        </a:xfrm>
+      </p:grpSpPr>
+      <p:pic>
+        <p:nvPicPr>
+          <p:cNvPr id="4" name="Image 3">
+            <a:extLst>
+              <a:ext uri="{FF2B5EF4-FFF2-40B4-BE49-F238E27FC236}">
+                <a16:creationId xmlns:a16="http://schemas.microsoft.com/office/drawing/2014/main" id="{0369F36D-1510-477A-7055-853CF8F1AA2F}"/>
+              </a:ext>
+            </a:extLst>
+          </p:cNvPr>
+          <p:cNvPicPr>
+            <a:picLocks noChangeAspect="1"/>
+          </p:cNvPicPr>
+          <p:nvPr/>
+        </p:nvPicPr>
+        <p:blipFill>
+          <a:blip r:embed="rId2"/>
+          <a:stretch>
+            <a:fillRect/>
+          </a:stretch>
+        </p:blipFill>
+        <p:spPr>
+          <a:xfrm>
+            <a:off x="210619" y="675612"/>
+            <a:ext cx="10847463" cy="5934700"/>
+          </a:xfrm>
+          <a:prstGeom prst="rect">
+            <a:avLst/>
+          </a:prstGeom>
+        </p:spPr>
+      </p:pic>
+    </p:spTree>
+    <p:extLst>
+      <p:ext uri="{BB962C8B-B14F-4D97-AF65-F5344CB8AC3E}">
+        <p14:creationId xmlns:p14="http://schemas.microsoft.com/office/powerpoint/2010/main" val="3825170221"/>
+      </p:ext>
+    </p:extLst>
+  </p:cSld>
+  <p:clrMapOvr>
+    <a:masterClrMapping/>
+  </p:clrMapOvr>
+</p:sld>
+</file>
+
 <file path=ppt/slides/slide3.xml><?xml version="1.0" encoding="utf-8"?>
 <p:sld xmlns:a="http://schemas.openxmlformats.org/drawingml/2006/main" xmlns:r="http://schemas.openxmlformats.org/officeDocument/2006/relationships" xmlns:p="http://schemas.openxmlformats.org/presentationml/2006/main">
   <p:cSld>
@@ -19442,222 +18977,6 @@
           <a:chExt cx="0" cy="0"/>
         </a:xfrm>
       </p:grpSpPr>
-      <p:sp>
-        <p:nvSpPr>
-          <p:cNvPr id="6" name="Frame 8">
-            <a:extLst>
-              <a:ext uri="{FF2B5EF4-FFF2-40B4-BE49-F238E27FC236}">
-                <a16:creationId xmlns:a16="http://schemas.microsoft.com/office/drawing/2014/main" id="{DD7EAFE6-2BB9-41FB-9CF4-588CFC708774}"/>
-              </a:ext>
-              <a:ext uri="{C183D7F6-B498-43B3-948B-1728B52AA6E4}">
-                <adec:decorative xmlns:adec="http://schemas.microsoft.com/office/drawing/2017/decorative" val="1"/>
-              </a:ext>
-            </a:extLst>
-          </p:cNvPr>
-          <p:cNvSpPr>
-            <a:spLocks noGrp="1" noRot="1" noChangeAspect="1" noMove="1" noResize="1" noEditPoints="1" noAdjustHandles="1" noChangeArrowheads="1" noChangeShapeType="1" noTextEdit="1"/>
-          </p:cNvSpPr>
-          <p:nvPr>
-            <p:extLst>
-              <p:ext uri="{386F3935-93C4-4BCD-93E2-E3B085C9AB24}">
-                <p16:designElem xmlns:p16="http://schemas.microsoft.com/office/powerpoint/2015/main" val="1"/>
-              </p:ext>
-            </p:extLst>
-          </p:nvPr>
-        </p:nvSpPr>
-        <p:spPr>
-          <a:xfrm>
-            <a:off x="0" y="0"/>
-            <a:ext cx="12188952" cy="6858000"/>
-          </a:xfrm>
-          <a:prstGeom prst="frame">
-            <a:avLst>
-              <a:gd name="adj1" fmla="val 7164"/>
-            </a:avLst>
-          </a:prstGeom>
-          <a:gradFill flip="none" rotWithShape="1">
-            <a:gsLst>
-              <a:gs pos="0">
-                <a:schemeClr val="accent2">
-                  <a:alpha val="40000"/>
-                </a:schemeClr>
-              </a:gs>
-              <a:gs pos="100000">
-                <a:schemeClr val="accent1">
-                  <a:alpha val="40000"/>
-                </a:schemeClr>
-              </a:gs>
-            </a:gsLst>
-            <a:lin ang="2700000" scaled="1"/>
-            <a:tileRect/>
-          </a:gradFill>
-          <a:ln>
-            <a:noFill/>
-          </a:ln>
-        </p:spPr>
-        <p:style>
-          <a:lnRef idx="2">
-            <a:schemeClr val="accent1">
-              <a:shade val="50000"/>
-            </a:schemeClr>
-          </a:lnRef>
-          <a:fillRef idx="1">
-            <a:schemeClr val="accent1"/>
-          </a:fillRef>
-          <a:effectRef idx="0">
-            <a:schemeClr val="accent1"/>
-          </a:effectRef>
-          <a:fontRef idx="minor">
-            <a:schemeClr val="lt1"/>
-          </a:fontRef>
-        </p:style>
-        <p:txBody>
-          <a:bodyPr rtlCol="0" anchor="ctr"/>
-          <a:lstStyle/>
-          <a:p>
-            <a:pPr algn="ctr"/>
-            <a:endParaRPr lang="en-US" dirty="0"/>
-          </a:p>
-        </p:txBody>
-      </p:sp>
-      <p:sp useBgFill="1">
-        <p:nvSpPr>
-          <p:cNvPr id="11" name="Rectangle 10">
-            <a:extLst>
-              <a:ext uri="{FF2B5EF4-FFF2-40B4-BE49-F238E27FC236}">
-                <a16:creationId xmlns:a16="http://schemas.microsoft.com/office/drawing/2014/main" id="{C3E06833-B59C-442F-9A6A-F8F55936D530}"/>
-              </a:ext>
-              <a:ext uri="{C183D7F6-B498-43B3-948B-1728B52AA6E4}">
-                <adec:decorative xmlns:adec="http://schemas.microsoft.com/office/drawing/2017/decorative" val="1"/>
-              </a:ext>
-            </a:extLst>
-          </p:cNvPr>
-          <p:cNvSpPr>
-            <a:spLocks noGrp="1" noRot="1" noChangeAspect="1" noMove="1" noResize="1" noEditPoints="1" noAdjustHandles="1" noChangeArrowheads="1" noChangeShapeType="1" noTextEdit="1"/>
-          </p:cNvSpPr>
-          <p:nvPr>
-            <p:extLst>
-              <p:ext uri="{386F3935-93C4-4BCD-93E2-E3B085C9AB24}">
-                <p16:designElem xmlns:p16="http://schemas.microsoft.com/office/powerpoint/2015/main" val="1"/>
-              </p:ext>
-            </p:extLst>
-          </p:nvPr>
-        </p:nvSpPr>
-        <p:spPr>
-          <a:xfrm>
-            <a:off x="0" y="9554"/>
-            <a:ext cx="12188952" cy="6858000"/>
-          </a:xfrm>
-          <a:prstGeom prst="rect">
-            <a:avLst/>
-          </a:prstGeom>
-          <a:ln>
-            <a:noFill/>
-          </a:ln>
-        </p:spPr>
-        <p:style>
-          <a:lnRef idx="2">
-            <a:schemeClr val="accent1">
-              <a:shade val="50000"/>
-            </a:schemeClr>
-          </a:lnRef>
-          <a:fillRef idx="1">
-            <a:schemeClr val="accent1"/>
-          </a:fillRef>
-          <a:effectRef idx="0">
-            <a:schemeClr val="accent1"/>
-          </a:effectRef>
-          <a:fontRef idx="minor">
-            <a:schemeClr val="lt1"/>
-          </a:fontRef>
-        </p:style>
-        <p:txBody>
-          <a:bodyPr rtlCol="0" anchor="ctr"/>
-          <a:lstStyle/>
-          <a:p>
-            <a:pPr algn="ctr"/>
-            <a:endParaRPr lang="en-US" dirty="0"/>
-          </a:p>
-        </p:txBody>
-      </p:sp>
-      <p:sp>
-        <p:nvSpPr>
-          <p:cNvPr id="13" name="Frame 12">
-            <a:extLst>
-              <a:ext uri="{FF2B5EF4-FFF2-40B4-BE49-F238E27FC236}">
-                <a16:creationId xmlns:a16="http://schemas.microsoft.com/office/drawing/2014/main" id="{FA2016CF-2F24-4AE4-8A87-D9B6A3DE31E2}"/>
-              </a:ext>
-              <a:ext uri="{C183D7F6-B498-43B3-948B-1728B52AA6E4}">
-                <adec:decorative xmlns:adec="http://schemas.microsoft.com/office/drawing/2017/decorative" val="1"/>
-              </a:ext>
-            </a:extLst>
-          </p:cNvPr>
-          <p:cNvSpPr>
-            <a:spLocks noGrp="1" noRot="1" noChangeAspect="1" noMove="1" noResize="1" noEditPoints="1" noAdjustHandles="1" noChangeArrowheads="1" noChangeShapeType="1" noTextEdit="1"/>
-          </p:cNvSpPr>
-          <p:nvPr>
-            <p:extLst>
-              <p:ext uri="{386F3935-93C4-4BCD-93E2-E3B085C9AB24}">
-                <p16:designElem xmlns:p16="http://schemas.microsoft.com/office/powerpoint/2015/main" val="1"/>
-              </p:ext>
-            </p:extLst>
-          </p:nvPr>
-        </p:nvSpPr>
-        <p:spPr>
-          <a:xfrm>
-            <a:off x="0" y="0"/>
-            <a:ext cx="12188952" cy="6858000"/>
-          </a:xfrm>
-          <a:prstGeom prst="frame">
-            <a:avLst>
-              <a:gd name="adj1" fmla="val 7164"/>
-            </a:avLst>
-          </a:prstGeom>
-          <a:gradFill flip="none" rotWithShape="1">
-            <a:gsLst>
-              <a:gs pos="0">
-                <a:schemeClr val="accent2">
-                  <a:alpha val="40000"/>
-                </a:schemeClr>
-              </a:gs>
-              <a:gs pos="100000">
-                <a:schemeClr val="accent1">
-                  <a:alpha val="40000"/>
-                </a:schemeClr>
-              </a:gs>
-            </a:gsLst>
-            <a:lin ang="2700000" scaled="1"/>
-            <a:tileRect/>
-          </a:gradFill>
-          <a:ln>
-            <a:noFill/>
-          </a:ln>
-        </p:spPr>
-        <p:style>
-          <a:lnRef idx="2">
-            <a:schemeClr val="accent1">
-              <a:shade val="50000"/>
-            </a:schemeClr>
-          </a:lnRef>
-          <a:fillRef idx="1">
-            <a:schemeClr val="accent1"/>
-          </a:fillRef>
-          <a:effectRef idx="0">
-            <a:schemeClr val="accent1"/>
-          </a:effectRef>
-          <a:fontRef idx="minor">
-            <a:schemeClr val="lt1"/>
-          </a:fontRef>
-        </p:style>
-        <p:txBody>
-          <a:bodyPr rtlCol="0" anchor="ctr"/>
-          <a:lstStyle/>
-          <a:p>
-            <a:pPr algn="ctr"/>
-            <a:endParaRPr lang="en-US" dirty="0"/>
-          </a:p>
-        </p:txBody>
-      </p:sp>
       <p:sp>
         <p:nvSpPr>
           <p:cNvPr id="2" name="Titre 1">
@@ -21642,9 +20961,9 @@
 </file>
 
 <file path=ppt/theme/theme1.xml><?xml version="1.0" encoding="utf-8"?>
-<a:theme xmlns:a="http://schemas.openxmlformats.org/drawingml/2006/main" name="LuminousVTI">
+<a:theme xmlns:a="http://schemas.openxmlformats.org/drawingml/2006/main" name="Thème Office">
   <a:themeElements>
-    <a:clrScheme name="Custom 54">
+    <a:clrScheme name="Office">
       <a:dk1>
         <a:sysClr val="windowText" lastClr="000000"/>
       </a:dk1>
@@ -21652,46 +20971,140 @@
         <a:sysClr val="window" lastClr="FFFFFF"/>
       </a:lt1>
       <a:dk2>
-        <a:srgbClr val="201449"/>
+        <a:srgbClr val="44546A"/>
       </a:dk2>
       <a:lt2>
-        <a:srgbClr val="EEEEEE"/>
+        <a:srgbClr val="E7E6E6"/>
       </a:lt2>
       <a:accent1>
-        <a:srgbClr val="F900A0"/>
+        <a:srgbClr val="4472C4"/>
       </a:accent1>
       <a:accent2>
-        <a:srgbClr val="4D4EE6"/>
+        <a:srgbClr val="ED7D31"/>
       </a:accent2>
       <a:accent3>
-        <a:srgbClr val="454B78"/>
+        <a:srgbClr val="A5A5A5"/>
       </a:accent3>
       <a:accent4>
-        <a:srgbClr val="A3A3C1"/>
+        <a:srgbClr val="FFC000"/>
       </a:accent4>
       <a:accent5>
-        <a:srgbClr val="7162FE"/>
+        <a:srgbClr val="5B9BD5"/>
       </a:accent5>
       <a:accent6>
-        <a:srgbClr val="1EBE9B"/>
+        <a:srgbClr val="70AD47"/>
       </a:accent6>
       <a:hlink>
-        <a:srgbClr val="F900A0"/>
+        <a:srgbClr val="0563C1"/>
       </a:hlink>
       <a:folHlink>
-        <a:srgbClr val="8477FE"/>
+        <a:srgbClr val="954F72"/>
       </a:folHlink>
     </a:clrScheme>
-    <a:fontScheme name="Custom 51">
+    <a:fontScheme name="Office">
       <a:majorFont>
-        <a:latin typeface="Sabon Next LT"/>
+        <a:latin typeface="Calibri Light" panose="020F0302020204030204"/>
         <a:ea typeface=""/>
         <a:cs typeface=""/>
+        <a:font script="Jpan" typeface="游ゴシック Light"/>
+        <a:font script="Hang" typeface="맑은 고딕"/>
+        <a:font script="Hans" typeface="等线 Light"/>
+        <a:font script="Hant" typeface="新細明體"/>
+        <a:font script="Arab" typeface="Times New Roman"/>
+        <a:font script="Hebr" typeface="Times New Roman"/>
+        <a:font script="Thai" typeface="Angsana New"/>
+        <a:font script="Ethi" typeface="Nyala"/>
+        <a:font script="Beng" typeface="Vrinda"/>
+        <a:font script="Gujr" typeface="Shruti"/>
+        <a:font script="Khmr" typeface="MoolBoran"/>
+        <a:font script="Knda" typeface="Tunga"/>
+        <a:font script="Guru" typeface="Raavi"/>
+        <a:font script="Cans" typeface="Euphemia"/>
+        <a:font script="Cher" typeface="Plantagenet Cherokee"/>
+        <a:font script="Yiii" typeface="Microsoft Yi Baiti"/>
+        <a:font script="Tibt" typeface="Microsoft Himalaya"/>
+        <a:font script="Thaa" typeface="MV Boli"/>
+        <a:font script="Deva" typeface="Mangal"/>
+        <a:font script="Telu" typeface="Gautami"/>
+        <a:font script="Taml" typeface="Latha"/>
+        <a:font script="Syrc" typeface="Estrangelo Edessa"/>
+        <a:font script="Orya" typeface="Kalinga"/>
+        <a:font script="Mlym" typeface="Kartika"/>
+        <a:font script="Laoo" typeface="DokChampa"/>
+        <a:font script="Sinh" typeface="Iskoola Pota"/>
+        <a:font script="Mong" typeface="Mongolian Baiti"/>
+        <a:font script="Viet" typeface="Times New Roman"/>
+        <a:font script="Uigh" typeface="Microsoft Uighur"/>
+        <a:font script="Geor" typeface="Sylfaen"/>
+        <a:font script="Armn" typeface="Arial"/>
+        <a:font script="Bugi" typeface="Leelawadee UI"/>
+        <a:font script="Bopo" typeface="Microsoft JhengHei"/>
+        <a:font script="Java" typeface="Javanese Text"/>
+        <a:font script="Lisu" typeface="Segoe UI"/>
+        <a:font script="Mymr" typeface="Myanmar Text"/>
+        <a:font script="Nkoo" typeface="Ebrima"/>
+        <a:font script="Olck" typeface="Nirmala UI"/>
+        <a:font script="Osma" typeface="Ebrima"/>
+        <a:font script="Phag" typeface="Phagspa"/>
+        <a:font script="Syrn" typeface="Estrangelo Edessa"/>
+        <a:font script="Syrj" typeface="Estrangelo Edessa"/>
+        <a:font script="Syre" typeface="Estrangelo Edessa"/>
+        <a:font script="Sora" typeface="Nirmala UI"/>
+        <a:font script="Tale" typeface="Microsoft Tai Le"/>
+        <a:font script="Talu" typeface="Microsoft New Tai Lue"/>
+        <a:font script="Tfng" typeface="Ebrima"/>
       </a:majorFont>
       <a:minorFont>
-        <a:latin typeface="Avenir Next LT Pro"/>
+        <a:latin typeface="Calibri" panose="020F0502020204030204"/>
         <a:ea typeface=""/>
         <a:cs typeface=""/>
+        <a:font script="Jpan" typeface="游ゴシック"/>
+        <a:font script="Hang" typeface="맑은 고딕"/>
+        <a:font script="Hans" typeface="等线"/>
+        <a:font script="Hant" typeface="新細明體"/>
+        <a:font script="Arab" typeface="Arial"/>
+        <a:font script="Hebr" typeface="Arial"/>
+        <a:font script="Thai" typeface="Cordia New"/>
+        <a:font script="Ethi" typeface="Nyala"/>
+        <a:font script="Beng" typeface="Vrinda"/>
+        <a:font script="Gujr" typeface="Shruti"/>
+        <a:font script="Khmr" typeface="DaunPenh"/>
+        <a:font script="Knda" typeface="Tunga"/>
+        <a:font script="Guru" typeface="Raavi"/>
+        <a:font script="Cans" typeface="Euphemia"/>
+        <a:font script="Cher" typeface="Plantagenet Cherokee"/>
+        <a:font script="Yiii" typeface="Microsoft Yi Baiti"/>
+        <a:font script="Tibt" typeface="Microsoft Himalaya"/>
+        <a:font script="Thaa" typeface="MV Boli"/>
+        <a:font script="Deva" typeface="Mangal"/>
+        <a:font script="Telu" typeface="Gautami"/>
+        <a:font script="Taml" typeface="Latha"/>
+        <a:font script="Syrc" typeface="Estrangelo Edessa"/>
+        <a:font script="Orya" typeface="Kalinga"/>
+        <a:font script="Mlym" typeface="Kartika"/>
+        <a:font script="Laoo" typeface="DokChampa"/>
+        <a:font script="Sinh" typeface="Iskoola Pota"/>
+        <a:font script="Mong" typeface="Mongolian Baiti"/>
+        <a:font script="Viet" typeface="Arial"/>
+        <a:font script="Uigh" typeface="Microsoft Uighur"/>
+        <a:font script="Geor" typeface="Sylfaen"/>
+        <a:font script="Armn" typeface="Arial"/>
+        <a:font script="Bugi" typeface="Leelawadee UI"/>
+        <a:font script="Bopo" typeface="Microsoft JhengHei"/>
+        <a:font script="Java" typeface="Javanese Text"/>
+        <a:font script="Lisu" typeface="Segoe UI"/>
+        <a:font script="Mymr" typeface="Myanmar Text"/>
+        <a:font script="Nkoo" typeface="Ebrima"/>
+        <a:font script="Olck" typeface="Nirmala UI"/>
+        <a:font script="Osma" typeface="Ebrima"/>
+        <a:font script="Phag" typeface="Phagspa"/>
+        <a:font script="Syrn" typeface="Estrangelo Edessa"/>
+        <a:font script="Syrj" typeface="Estrangelo Edessa"/>
+        <a:font script="Syre" typeface="Estrangelo Edessa"/>
+        <a:font script="Sora" typeface="Nirmala UI"/>
+        <a:font script="Tale" typeface="Microsoft Tai Le"/>
+        <a:font script="Talu" typeface="Microsoft New Tai Lue"/>
+        <a:font script="Tfng" typeface="Ebrima"/>
       </a:minorFont>
     </a:fontScheme>
     <a:fmtScheme name="Office">
@@ -21836,7 +21249,7 @@
   <a:extraClrSchemeLst/>
   <a:extLst>
     <a:ext uri="{05A4C25C-085E-4340-85A3-A5531E510DB2}">
-      <thm15:themeFamily xmlns:thm15="http://schemas.microsoft.com/office/thememl/2012/main" name="LuminousVTI" id="{3EBF12FF-FD44-415B-AB75-5B4F7E5C3AC4}" vid="{521B7FAE-6A8D-4468-B79A-0706294A0D4A}"/>
+      <thm15:themeFamily xmlns:thm15="http://schemas.microsoft.com/office/thememl/2012/main" name="Office Theme" id="{62F939B6-93AF-4DB8-9C6B-D6C7DFDC589F}" vid="{4A3C46E8-61CC-4603-A589-7422A47A8E4A}"/>
     </a:ext>
   </a:extLst>
 </a:theme>

--- a/doc/présentation V4 - commentaires.pptx
+++ b/doc/présentation V4 - commentaires.pptx
@@ -227,7 +227,7 @@
           <a:p>
             <a:fld id="{3A579BB9-F2CA-426C-82A6-1234A0AE4AD5}" type="datetimeFigureOut">
               <a:rPr lang="fr-FR" smtClean="0"/>
-              <a:t>06/01/2023</a:t>
+              <a:t>30/01/2023</a:t>
             </a:fld>
             <a:endParaRPr lang="fr-FR"/>
           </a:p>
@@ -7000,7 +7000,7 @@
             <a:fld id="{AA70F276-1833-4A75-9C1D-A56E2295A68D}" type="datetimeFigureOut">
               <a:rPr lang="en-US" smtClean="0"/>
               <a:pPr/>
-              <a:t>1/6/2023</a:t>
+              <a:t>1/30/2023</a:t>
             </a:fld>
             <a:endParaRPr lang="en-US" dirty="0"/>
           </a:p>
@@ -7204,7 +7204,7 @@
             <a:fld id="{AA70F276-1833-4A75-9C1D-A56E2295A68D}" type="datetimeFigureOut">
               <a:rPr lang="en-US" smtClean="0"/>
               <a:pPr/>
-              <a:t>1/6/2023</a:t>
+              <a:t>1/30/2023</a:t>
             </a:fld>
             <a:endParaRPr lang="en-US" dirty="0"/>
           </a:p>
@@ -7418,7 +7418,7 @@
             <a:fld id="{AA70F276-1833-4A75-9C1D-A56E2295A68D}" type="datetimeFigureOut">
               <a:rPr lang="en-US" smtClean="0"/>
               <a:pPr/>
-              <a:t>1/6/2023</a:t>
+              <a:t>1/30/2023</a:t>
             </a:fld>
             <a:endParaRPr lang="en-US" dirty="0"/>
           </a:p>
@@ -7622,7 +7622,7 @@
             <a:fld id="{AA70F276-1833-4A75-9C1D-A56E2295A68D}" type="datetimeFigureOut">
               <a:rPr lang="en-US" smtClean="0"/>
               <a:pPr/>
-              <a:t>1/6/2023</a:t>
+              <a:t>1/30/2023</a:t>
             </a:fld>
             <a:endParaRPr lang="en-US" dirty="0"/>
           </a:p>
@@ -7903,7 +7903,7 @@
             <a:fld id="{AA70F276-1833-4A75-9C1D-A56E2295A68D}" type="datetimeFigureOut">
               <a:rPr lang="en-US" smtClean="0"/>
               <a:pPr/>
-              <a:t>1/6/2023</a:t>
+              <a:t>1/30/2023</a:t>
             </a:fld>
             <a:endParaRPr lang="en-US" dirty="0"/>
           </a:p>
@@ -8174,7 +8174,7 @@
             <a:fld id="{AA70F276-1833-4A75-9C1D-A56E2295A68D}" type="datetimeFigureOut">
               <a:rPr lang="en-US" smtClean="0"/>
               <a:pPr/>
-              <a:t>1/6/2023</a:t>
+              <a:t>1/30/2023</a:t>
             </a:fld>
             <a:endParaRPr lang="en-US" dirty="0"/>
           </a:p>
@@ -8592,7 +8592,7 @@
             <a:fld id="{AA70F276-1833-4A75-9C1D-A56E2295A68D}" type="datetimeFigureOut">
               <a:rPr lang="en-US" smtClean="0"/>
               <a:pPr/>
-              <a:t>1/6/2023</a:t>
+              <a:t>1/30/2023</a:t>
             </a:fld>
             <a:endParaRPr lang="en-US" dirty="0"/>
           </a:p>
@@ -8739,7 +8739,7 @@
             <a:fld id="{AA70F276-1833-4A75-9C1D-A56E2295A68D}" type="datetimeFigureOut">
               <a:rPr lang="en-US" smtClean="0"/>
               <a:pPr/>
-              <a:t>1/6/2023</a:t>
+              <a:t>1/30/2023</a:t>
             </a:fld>
             <a:endParaRPr lang="en-US" dirty="0"/>
           </a:p>
@@ -8858,7 +8858,7 @@
             <a:fld id="{AA70F276-1833-4A75-9C1D-A56E2295A68D}" type="datetimeFigureOut">
               <a:rPr lang="en-US" smtClean="0"/>
               <a:pPr/>
-              <a:t>1/6/2023</a:t>
+              <a:t>1/30/2023</a:t>
             </a:fld>
             <a:endParaRPr lang="en-US" dirty="0"/>
           </a:p>
@@ -9175,7 +9175,7 @@
             <a:fld id="{AA70F276-1833-4A75-9C1D-A56E2295A68D}" type="datetimeFigureOut">
               <a:rPr lang="en-US" smtClean="0"/>
               <a:pPr/>
-              <a:t>1/6/2023</a:t>
+              <a:t>1/30/2023</a:t>
             </a:fld>
             <a:endParaRPr lang="en-US" dirty="0"/>
           </a:p>
@@ -9469,7 +9469,7 @@
             <a:fld id="{AA70F276-1833-4A75-9C1D-A56E2295A68D}" type="datetimeFigureOut">
               <a:rPr lang="en-US" smtClean="0"/>
               <a:pPr/>
-              <a:t>1/6/2023</a:t>
+              <a:t>1/30/2023</a:t>
             </a:fld>
             <a:endParaRPr lang="en-US" dirty="0"/>
           </a:p>
@@ -9716,7 +9716,7 @@
             <a:fld id="{AA70F276-1833-4A75-9C1D-A56E2295A68D}" type="datetimeFigureOut">
               <a:rPr lang="en-US" smtClean="0"/>
               <a:pPr/>
-              <a:t>1/6/2023</a:t>
+              <a:t>1/30/2023</a:t>
             </a:fld>
             <a:endParaRPr lang="en-US" dirty="0"/>
           </a:p>
@@ -10768,47 +10768,12 @@
           <a:chExt cx="0" cy="0"/>
         </a:xfrm>
       </p:grpSpPr>
-      <p:sp>
-        <p:nvSpPr>
-          <p:cNvPr id="2" name="Titre 1">
-            <a:extLst>
-              <a:ext uri="{FF2B5EF4-FFF2-40B4-BE49-F238E27FC236}">
-                <a16:creationId xmlns:a16="http://schemas.microsoft.com/office/drawing/2014/main" id="{099E2E77-954A-DD7C-99BF-B9521D1A2115}"/>
-              </a:ext>
-            </a:extLst>
-          </p:cNvPr>
-          <p:cNvSpPr>
-            <a:spLocks noGrp="1"/>
-          </p:cNvSpPr>
-          <p:nvPr>
-            <p:ph type="title"/>
-          </p:nvPr>
-        </p:nvSpPr>
-        <p:spPr>
-          <a:xfrm>
-            <a:off x="838200" y="681038"/>
-            <a:ext cx="10515600" cy="783378"/>
-          </a:xfrm>
-        </p:spPr>
-        <p:txBody>
-          <a:bodyPr>
-            <a:normAutofit/>
-          </a:bodyPr>
-          <a:lstStyle/>
-          <a:p>
-            <a:r>
-              <a:rPr lang="fr-FR" sz="3200" dirty="0"/>
-              <a:t>Focus incident - détail</a:t>
-            </a:r>
-          </a:p>
-        </p:txBody>
-      </p:sp>
       <p:pic>
         <p:nvPicPr>
-          <p:cNvPr id="7" name="Image 6">
+          <p:cNvPr id="4" name="Image 3">
             <a:extLst>
               <a:ext uri="{FF2B5EF4-FFF2-40B4-BE49-F238E27FC236}">
-                <a16:creationId xmlns:a16="http://schemas.microsoft.com/office/drawing/2014/main" id="{6C51F962-8B8C-A429-1A7F-99DD6DB77DE5}"/>
+                <a16:creationId xmlns:a16="http://schemas.microsoft.com/office/drawing/2014/main" id="{5D19C5BF-C9E0-903D-A1BD-BCF38C4D626C}"/>
               </a:ext>
             </a:extLst>
           </p:cNvPr>
@@ -10825,8 +10790,8 @@
         </p:blipFill>
         <p:spPr>
           <a:xfrm>
-            <a:off x="1309106" y="1347479"/>
-            <a:ext cx="6884552" cy="4543247"/>
+            <a:off x="179109" y="706492"/>
+            <a:ext cx="6997832" cy="4807979"/>
           </a:xfrm>
           <a:prstGeom prst="rect">
             <a:avLst/>
@@ -10847,8 +10812,8 @@
         </p:nvSpPr>
         <p:spPr>
           <a:xfrm>
-            <a:off x="7748411" y="1933863"/>
-            <a:ext cx="1104790" cy="338554"/>
+            <a:off x="7789287" y="1933863"/>
+            <a:ext cx="1023037" cy="338554"/>
           </a:xfrm>
           <a:prstGeom prst="rect">
             <a:avLst/>
@@ -10954,7 +10919,7 @@
           </a:ln>
         </p:spPr>
         <p:txBody>
-          <a:bodyPr wrap="none" rtlCol="0">
+          <a:bodyPr wrap="square" rtlCol="0">
             <a:spAutoFit/>
           </a:bodyPr>
           <a:lstStyle/>
@@ -10981,7 +10946,7 @@
                 <a:latin typeface="Amasis MT Pro" panose="020B0604020202020204" pitchFamily="18" charset="0"/>
                 <a:cs typeface="Biome Light" panose="020B0502040204020203" pitchFamily="34" charset="0"/>
               </a:rPr>
-              <a:t>Quand – Où - Quand</a:t>
+              <a:t>Quand – Où - Quoi</a:t>
             </a:r>
           </a:p>
         </p:txBody>
@@ -11107,7 +11072,7 @@
           </a:ln>
         </p:spPr>
         <p:txBody>
-          <a:bodyPr wrap="none" rtlCol="0">
+          <a:bodyPr wrap="square" rtlCol="0">
             <a:spAutoFit/>
           </a:bodyPr>
           <a:lstStyle/>
@@ -11140,7 +11105,7 @@
         </p:nvSpPr>
         <p:spPr>
           <a:xfrm>
-            <a:off x="7037472" y="5038977"/>
+            <a:off x="6733652" y="4776376"/>
             <a:ext cx="1199367" cy="338554"/>
           </a:xfrm>
           <a:prstGeom prst="rect">
@@ -11247,7 +11212,7 @@
           </a:ln>
         </p:spPr>
         <p:txBody>
-          <a:bodyPr wrap="none" rtlCol="0">
+          <a:bodyPr wrap="square" rtlCol="0">
             <a:spAutoFit/>
           </a:bodyPr>
           <a:lstStyle/>
@@ -11301,7 +11266,7 @@
         </p:nvCxnSpPr>
         <p:spPr>
           <a:xfrm flipH="1" flipV="1">
-            <a:off x="6737916" y="4670829"/>
+            <a:off x="6434096" y="4408228"/>
             <a:ext cx="638699" cy="313557"/>
           </a:xfrm>
           <a:prstGeom prst="straightConnector1">
